--- a/talks/src/class04.pptx
+++ b/talks/src/class04.pptx
@@ -6,10 +6,10 @@
     <p:sldMasterId id="2147483660" r:id="rId2"/>
   </p:sldMasterIdLst>
   <p:notesMasterIdLst>
-    <p:notesMasterId r:id="rId39"/>
+    <p:notesMasterId r:id="rId40"/>
   </p:notesMasterIdLst>
   <p:handoutMasterIdLst>
-    <p:handoutMasterId r:id="rId40"/>
+    <p:handoutMasterId r:id="rId41"/>
   </p:handoutMasterIdLst>
   <p:sldIdLst>
     <p:sldId id="280" r:id="rId3"/>
@@ -26,8 +26,8 @@
     <p:sldId id="325" r:id="rId14"/>
     <p:sldId id="315" r:id="rId15"/>
     <p:sldId id="347" r:id="rId16"/>
-    <p:sldId id="326" r:id="rId17"/>
-    <p:sldId id="328" r:id="rId18"/>
+    <p:sldId id="328" r:id="rId17"/>
+    <p:sldId id="349" r:id="rId18"/>
     <p:sldId id="327" r:id="rId19"/>
     <p:sldId id="330" r:id="rId20"/>
     <p:sldId id="314" r:id="rId21"/>
@@ -45,9 +45,10 @@
     <p:sldId id="342" r:id="rId33"/>
     <p:sldId id="343" r:id="rId34"/>
     <p:sldId id="340" r:id="rId35"/>
-    <p:sldId id="336" r:id="rId36"/>
-    <p:sldId id="345" r:id="rId37"/>
-    <p:sldId id="346" r:id="rId38"/>
+    <p:sldId id="350" r:id="rId36"/>
+    <p:sldId id="336" r:id="rId37"/>
+    <p:sldId id="345" r:id="rId38"/>
+    <p:sldId id="346" r:id="rId39"/>
   </p:sldIdLst>
   <p:sldSz cx="12192000" cy="6858000"/>
   <p:notesSz cx="6858000" cy="9144000"/>
@@ -239,7 +240,7 @@
           <a:p>
             <a:fld id="{56C6788E-680A-49E5-BB93-D456A9D23A29}" type="datetimeFigureOut">
               <a:rPr lang="ru-RU" smtClean="0"/>
-              <a:t>24.10.2018</a:t>
+              <a:t>10.10.2022</a:t>
             </a:fld>
             <a:endParaRPr lang="ru-RU"/>
           </a:p>
@@ -408,7 +409,7 @@
           <a:p>
             <a:fld id="{C4DF4945-C160-4CD5-B124-49B9BE14C0AB}" type="datetimeFigureOut">
               <a:rPr lang="ru-RU" smtClean="0"/>
-              <a:t>24.10.2018</a:t>
+              <a:t>10.10.2022</a:t>
             </a:fld>
             <a:endParaRPr lang="ru-RU"/>
           </a:p>
@@ -1409,7 +1410,7 @@
     </p:spTree>
     <p:extLst>
       <p:ext uri="{BB962C8B-B14F-4D97-AF65-F5344CB8AC3E}">
-        <p14:creationId xmlns:p14="http://schemas.microsoft.com/office/powerpoint/2010/main" val="3479320017"/>
+        <p14:creationId xmlns:p14="http://schemas.microsoft.com/office/powerpoint/2010/main" val="3814555026"/>
       </p:ext>
     </p:extLst>
   </p:cSld>
@@ -1515,7 +1516,7 @@
     </p:spTree>
     <p:extLst>
       <p:ext uri="{BB962C8B-B14F-4D97-AF65-F5344CB8AC3E}">
-        <p14:creationId xmlns:p14="http://schemas.microsoft.com/office/powerpoint/2010/main" val="3814555026"/>
+        <p14:creationId xmlns:p14="http://schemas.microsoft.com/office/powerpoint/2010/main" val="1851706364"/>
       </p:ext>
     </p:extLst>
   </p:cSld>
@@ -3635,7 +3636,7 @@
     </p:spTree>
     <p:extLst>
       <p:ext uri="{BB962C8B-B14F-4D97-AF65-F5344CB8AC3E}">
-        <p14:creationId xmlns:p14="http://schemas.microsoft.com/office/powerpoint/2010/main" val="1768504824"/>
+        <p14:creationId xmlns:p14="http://schemas.microsoft.com/office/powerpoint/2010/main" val="1380153727"/>
       </p:ext>
     </p:extLst>
   </p:cSld>
@@ -3741,7 +3742,7 @@
     </p:spTree>
     <p:extLst>
       <p:ext uri="{BB962C8B-B14F-4D97-AF65-F5344CB8AC3E}">
-        <p14:creationId xmlns:p14="http://schemas.microsoft.com/office/powerpoint/2010/main" val="2354734903"/>
+        <p14:creationId xmlns:p14="http://schemas.microsoft.com/office/powerpoint/2010/main" val="1768504824"/>
       </p:ext>
     </p:extLst>
   </p:cSld>
@@ -3817,6 +3818,112 @@
             <a:fld id="{7F33120B-582B-4354-977D-A474A534F6B9}" type="slidenum">
               <a:rPr lang="ru-RU" smtClean="0"/>
               <a:t>36</a:t>
+            </a:fld>
+            <a:endParaRPr lang="ru-RU"/>
+          </a:p>
+        </p:txBody>
+      </p:sp>
+      <p:sp>
+        <p:nvSpPr>
+          <p:cNvPr id="5" name="Header Placeholder 4"/>
+          <p:cNvSpPr>
+            <a:spLocks noGrp="1"/>
+          </p:cNvSpPr>
+          <p:nvPr>
+            <p:ph type="hdr" sz="quarter" idx="11"/>
+          </p:nvPr>
+        </p:nvSpPr>
+        <p:spPr/>
+        <p:txBody>
+          <a:bodyPr/>
+          <a:lstStyle/>
+          <a:p>
+            <a:r>
+              <a:rPr lang="ru-RU"/>
+              <a:t>Основы построения файловых систем</a:t>
+            </a:r>
+          </a:p>
+        </p:txBody>
+      </p:sp>
+    </p:spTree>
+    <p:extLst>
+      <p:ext uri="{BB962C8B-B14F-4D97-AF65-F5344CB8AC3E}">
+        <p14:creationId xmlns:p14="http://schemas.microsoft.com/office/powerpoint/2010/main" val="2354734903"/>
+      </p:ext>
+    </p:extLst>
+  </p:cSld>
+  <p:clrMapOvr>
+    <a:masterClrMapping/>
+  </p:clrMapOvr>
+</p:notes>
+</file>
+
+<file path=ppt/notesSlides/notesSlide37.xml><?xml version="1.0" encoding="utf-8"?>
+<p:notes xmlns:a="http://schemas.openxmlformats.org/drawingml/2006/main" xmlns:r="http://schemas.openxmlformats.org/officeDocument/2006/relationships" xmlns:p="http://schemas.openxmlformats.org/presentationml/2006/main">
+  <p:cSld>
+    <p:spTree>
+      <p:nvGrpSpPr>
+        <p:cNvPr id="1" name=""/>
+        <p:cNvGrpSpPr/>
+        <p:nvPr/>
+      </p:nvGrpSpPr>
+      <p:grpSpPr>
+        <a:xfrm>
+          <a:off x="0" y="0"/>
+          <a:ext cx="0" cy="0"/>
+          <a:chOff x="0" y="0"/>
+          <a:chExt cx="0" cy="0"/>
+        </a:xfrm>
+      </p:grpSpPr>
+      <p:sp>
+        <p:nvSpPr>
+          <p:cNvPr id="2" name="Slide Image Placeholder 1"/>
+          <p:cNvSpPr>
+            <a:spLocks noGrp="1" noRot="1" noChangeAspect="1"/>
+          </p:cNvSpPr>
+          <p:nvPr>
+            <p:ph type="sldImg"/>
+          </p:nvPr>
+        </p:nvSpPr>
+        <p:spPr/>
+      </p:sp>
+      <p:sp>
+        <p:nvSpPr>
+          <p:cNvPr id="3" name="Notes Placeholder 2"/>
+          <p:cNvSpPr>
+            <a:spLocks noGrp="1"/>
+          </p:cNvSpPr>
+          <p:nvPr>
+            <p:ph type="body" idx="1"/>
+          </p:nvPr>
+        </p:nvSpPr>
+        <p:spPr/>
+        <p:txBody>
+          <a:bodyPr/>
+          <a:lstStyle/>
+          <a:p>
+            <a:endParaRPr lang="ru-RU"/>
+          </a:p>
+        </p:txBody>
+      </p:sp>
+      <p:sp>
+        <p:nvSpPr>
+          <p:cNvPr id="4" name="Slide Number Placeholder 3"/>
+          <p:cNvSpPr>
+            <a:spLocks noGrp="1"/>
+          </p:cNvSpPr>
+          <p:nvPr>
+            <p:ph type="sldNum" sz="quarter" idx="10"/>
+          </p:nvPr>
+        </p:nvSpPr>
+        <p:spPr/>
+        <p:txBody>
+          <a:bodyPr/>
+          <a:lstStyle/>
+          <a:p>
+            <a:fld id="{7F33120B-582B-4354-977D-A474A534F6B9}" type="slidenum">
+              <a:rPr lang="ru-RU" smtClean="0"/>
+              <a:t>37</a:t>
             </a:fld>
             <a:endParaRPr lang="ru-RU"/>
           </a:p>
@@ -4624,7 +4731,7 @@
           <a:p>
             <a:fld id="{12C63722-5D9F-4E99-9720-9B6A0C7BB1C9}" type="datetimeFigureOut">
               <a:rPr lang="ru-RU" smtClean="0"/>
-              <a:t>24.10.2018</a:t>
+              <a:t>10.10.2022</a:t>
             </a:fld>
             <a:endParaRPr lang="ru-RU"/>
           </a:p>
@@ -4794,7 +4901,7 @@
           <a:p>
             <a:fld id="{12C63722-5D9F-4E99-9720-9B6A0C7BB1C9}" type="datetimeFigureOut">
               <a:rPr lang="ru-RU" smtClean="0"/>
-              <a:t>24.10.2018</a:t>
+              <a:t>10.10.2022</a:t>
             </a:fld>
             <a:endParaRPr lang="ru-RU"/>
           </a:p>
@@ -4974,7 +5081,7 @@
           <a:p>
             <a:fld id="{12C63722-5D9F-4E99-9720-9B6A0C7BB1C9}" type="datetimeFigureOut">
               <a:rPr lang="ru-RU" smtClean="0"/>
-              <a:t>24.10.2018</a:t>
+              <a:t>10.10.2022</a:t>
             </a:fld>
             <a:endParaRPr lang="ru-RU"/>
           </a:p>
@@ -5166,7 +5273,7 @@
           <a:p>
             <a:fld id="{8C218C88-2408-4CFC-B25C-07450930B282}" type="datetimeFigureOut">
               <a:rPr lang="ru-RU" smtClean="0"/>
-              <a:t>24.10.2018</a:t>
+              <a:t>10.10.2022</a:t>
             </a:fld>
             <a:endParaRPr lang="ru-RU"/>
           </a:p>
@@ -5336,7 +5443,7 @@
           <a:p>
             <a:fld id="{8C218C88-2408-4CFC-B25C-07450930B282}" type="datetimeFigureOut">
               <a:rPr lang="ru-RU" smtClean="0"/>
-              <a:t>24.10.2018</a:t>
+              <a:t>10.10.2022</a:t>
             </a:fld>
             <a:endParaRPr lang="ru-RU"/>
           </a:p>
@@ -5582,7 +5689,7 @@
           <a:p>
             <a:fld id="{8C218C88-2408-4CFC-B25C-07450930B282}" type="datetimeFigureOut">
               <a:rPr lang="ru-RU" smtClean="0"/>
-              <a:t>24.10.2018</a:t>
+              <a:t>10.10.2022</a:t>
             </a:fld>
             <a:endParaRPr lang="ru-RU"/>
           </a:p>
@@ -5814,7 +5921,7 @@
           <a:p>
             <a:fld id="{8C218C88-2408-4CFC-B25C-07450930B282}" type="datetimeFigureOut">
               <a:rPr lang="ru-RU" smtClean="0"/>
-              <a:t>24.10.2018</a:t>
+              <a:t>10.10.2022</a:t>
             </a:fld>
             <a:endParaRPr lang="ru-RU"/>
           </a:p>
@@ -6181,7 +6288,7 @@
           <a:p>
             <a:fld id="{8C218C88-2408-4CFC-B25C-07450930B282}" type="datetimeFigureOut">
               <a:rPr lang="ru-RU" smtClean="0"/>
-              <a:t>24.10.2018</a:t>
+              <a:t>10.10.2022</a:t>
             </a:fld>
             <a:endParaRPr lang="ru-RU"/>
           </a:p>
@@ -6299,7 +6406,7 @@
           <a:p>
             <a:fld id="{8C218C88-2408-4CFC-B25C-07450930B282}" type="datetimeFigureOut">
               <a:rPr lang="ru-RU" smtClean="0"/>
-              <a:t>24.10.2018</a:t>
+              <a:t>10.10.2022</a:t>
             </a:fld>
             <a:endParaRPr lang="ru-RU"/>
           </a:p>
@@ -6394,7 +6501,7 @@
           <a:p>
             <a:fld id="{8C218C88-2408-4CFC-B25C-07450930B282}" type="datetimeFigureOut">
               <a:rPr lang="ru-RU" smtClean="0"/>
-              <a:t>24.10.2018</a:t>
+              <a:t>10.10.2022</a:t>
             </a:fld>
             <a:endParaRPr lang="ru-RU"/>
           </a:p>
@@ -6671,7 +6778,7 @@
           <a:p>
             <a:fld id="{8C218C88-2408-4CFC-B25C-07450930B282}" type="datetimeFigureOut">
               <a:rPr lang="ru-RU" smtClean="0"/>
-              <a:t>24.10.2018</a:t>
+              <a:t>10.10.2022</a:t>
             </a:fld>
             <a:endParaRPr lang="ru-RU"/>
           </a:p>
@@ -6841,7 +6948,7 @@
           <a:p>
             <a:fld id="{12C63722-5D9F-4E99-9720-9B6A0C7BB1C9}" type="datetimeFigureOut">
               <a:rPr lang="ru-RU" smtClean="0"/>
-              <a:t>24.10.2018</a:t>
+              <a:t>10.10.2022</a:t>
             </a:fld>
             <a:endParaRPr lang="ru-RU"/>
           </a:p>
@@ -7094,7 +7201,7 @@
           <a:p>
             <a:fld id="{8C218C88-2408-4CFC-B25C-07450930B282}" type="datetimeFigureOut">
               <a:rPr lang="ru-RU" smtClean="0"/>
-              <a:t>24.10.2018</a:t>
+              <a:t>10.10.2022</a:t>
             </a:fld>
             <a:endParaRPr lang="ru-RU"/>
           </a:p>
@@ -7264,7 +7371,7 @@
           <a:p>
             <a:fld id="{8C218C88-2408-4CFC-B25C-07450930B282}" type="datetimeFigureOut">
               <a:rPr lang="ru-RU" smtClean="0"/>
-              <a:t>24.10.2018</a:t>
+              <a:t>10.10.2022</a:t>
             </a:fld>
             <a:endParaRPr lang="ru-RU"/>
           </a:p>
@@ -7444,7 +7551,7 @@
           <a:p>
             <a:fld id="{8C218C88-2408-4CFC-B25C-07450930B282}" type="datetimeFigureOut">
               <a:rPr lang="ru-RU" smtClean="0"/>
-              <a:t>24.10.2018</a:t>
+              <a:t>10.10.2022</a:t>
             </a:fld>
             <a:endParaRPr lang="ru-RU"/>
           </a:p>
@@ -7690,7 +7797,7 @@
           <a:p>
             <a:fld id="{12C63722-5D9F-4E99-9720-9B6A0C7BB1C9}" type="datetimeFigureOut">
               <a:rPr lang="ru-RU" smtClean="0"/>
-              <a:t>24.10.2018</a:t>
+              <a:t>10.10.2022</a:t>
             </a:fld>
             <a:endParaRPr lang="ru-RU"/>
           </a:p>
@@ -7930,7 +8037,7 @@
           <a:p>
             <a:fld id="{12C63722-5D9F-4E99-9720-9B6A0C7BB1C9}" type="datetimeFigureOut">
               <a:rPr lang="ru-RU" smtClean="0"/>
-              <a:t>24.10.2018</a:t>
+              <a:t>10.10.2022</a:t>
             </a:fld>
             <a:endParaRPr lang="ru-RU"/>
           </a:p>
@@ -8297,7 +8404,7 @@
           <a:p>
             <a:fld id="{12C63722-5D9F-4E99-9720-9B6A0C7BB1C9}" type="datetimeFigureOut">
               <a:rPr lang="ru-RU" smtClean="0"/>
-              <a:t>24.10.2018</a:t>
+              <a:t>10.10.2022</a:t>
             </a:fld>
             <a:endParaRPr lang="ru-RU"/>
           </a:p>
@@ -8415,7 +8522,7 @@
           <a:p>
             <a:fld id="{12C63722-5D9F-4E99-9720-9B6A0C7BB1C9}" type="datetimeFigureOut">
               <a:rPr lang="ru-RU" smtClean="0"/>
-              <a:t>24.10.2018</a:t>
+              <a:t>10.10.2022</a:t>
             </a:fld>
             <a:endParaRPr lang="ru-RU"/>
           </a:p>
@@ -8510,7 +8617,7 @@
           <a:p>
             <a:fld id="{12C63722-5D9F-4E99-9720-9B6A0C7BB1C9}" type="datetimeFigureOut">
               <a:rPr lang="ru-RU" smtClean="0"/>
-              <a:t>24.10.2018</a:t>
+              <a:t>10.10.2022</a:t>
             </a:fld>
             <a:endParaRPr lang="ru-RU"/>
           </a:p>
@@ -8787,7 +8894,7 @@
           <a:p>
             <a:fld id="{12C63722-5D9F-4E99-9720-9B6A0C7BB1C9}" type="datetimeFigureOut">
               <a:rPr lang="ru-RU" smtClean="0"/>
-              <a:t>24.10.2018</a:t>
+              <a:t>10.10.2022</a:t>
             </a:fld>
             <a:endParaRPr lang="ru-RU"/>
           </a:p>
@@ -9040,7 +9147,7 @@
           <a:p>
             <a:fld id="{12C63722-5D9F-4E99-9720-9B6A0C7BB1C9}" type="datetimeFigureOut">
               <a:rPr lang="ru-RU" smtClean="0"/>
-              <a:t>24.10.2018</a:t>
+              <a:t>10.10.2022</a:t>
             </a:fld>
             <a:endParaRPr lang="ru-RU"/>
           </a:p>
@@ -9253,7 +9360,7 @@
           <a:p>
             <a:fld id="{12C63722-5D9F-4E99-9720-9B6A0C7BB1C9}" type="datetimeFigureOut">
               <a:rPr lang="ru-RU" smtClean="0"/>
-              <a:t>24.10.2018</a:t>
+              <a:t>10.10.2022</a:t>
             </a:fld>
             <a:endParaRPr lang="ru-RU"/>
           </a:p>
@@ -9793,7 +9900,7 @@
           <a:p>
             <a:fld id="{8C218C88-2408-4CFC-B25C-07450930B282}" type="datetimeFigureOut">
               <a:rPr lang="ru-RU" smtClean="0"/>
-              <a:t>24.10.2018</a:t>
+              <a:t>10.10.2022</a:t>
             </a:fld>
             <a:endParaRPr lang="ru-RU"/>
           </a:p>
@@ -10261,7 +10368,7 @@
           <p:nvPr>
             <p:extLst>
               <p:ext uri="{D42A27DB-BD31-4B8C-83A1-F6EECF244321}">
-                <p14:modId xmlns:p14="http://schemas.microsoft.com/office/powerpoint/2010/main" val="1981162241"/>
+                <p14:modId xmlns:p14="http://schemas.microsoft.com/office/powerpoint/2010/main" val="629764950"/>
               </p:ext>
             </p:extLst>
           </p:nvPr>
@@ -10291,14 +10398,7 @@
                     <a:bodyPr/>
                     <a:lstStyle/>
                     <a:p>
-                      <a:r>
-                        <a:rPr lang="en-US" dirty="0"/>
-                        <a:t>Acronis @ </a:t>
-                      </a:r>
-                      <a:r>
-                        <a:rPr lang="ru-RU" dirty="0"/>
-                        <a:t>МФТИ</a:t>
-                      </a:r>
+                      <a:endParaRPr lang="ru-RU" dirty="0"/>
                     </a:p>
                   </a:txBody>
                   <a:tcPr/>
@@ -10525,7 +10625,7 @@
           <p:nvPr>
             <p:extLst>
               <p:ext uri="{D42A27DB-BD31-4B8C-83A1-F6EECF244321}">
-                <p14:modId xmlns:p14="http://schemas.microsoft.com/office/powerpoint/2010/main" val="4164474727"/>
+                <p14:modId xmlns:p14="http://schemas.microsoft.com/office/powerpoint/2010/main" val="698601626"/>
               </p:ext>
             </p:extLst>
           </p:nvPr>
@@ -10555,14 +10655,7 @@
                     <a:bodyPr/>
                     <a:lstStyle/>
                     <a:p>
-                      <a:r>
-                        <a:rPr lang="en-US" dirty="0"/>
-                        <a:t>Acronis @ </a:t>
-                      </a:r>
-                      <a:r>
-                        <a:rPr lang="ru-RU" dirty="0"/>
-                        <a:t>МФТИ</a:t>
-                      </a:r>
+                      <a:endParaRPr lang="ru-RU" dirty="0"/>
                     </a:p>
                   </a:txBody>
                   <a:tcPr/>
@@ -11423,7 +11516,7 @@
           <p:nvPr>
             <p:extLst>
               <p:ext uri="{D42A27DB-BD31-4B8C-83A1-F6EECF244321}">
-                <p14:modId xmlns:p14="http://schemas.microsoft.com/office/powerpoint/2010/main" val="4164474727"/>
+                <p14:modId xmlns:p14="http://schemas.microsoft.com/office/powerpoint/2010/main" val="3317264509"/>
               </p:ext>
             </p:extLst>
           </p:nvPr>
@@ -11453,14 +11546,7 @@
                     <a:bodyPr/>
                     <a:lstStyle/>
                     <a:p>
-                      <a:r>
-                        <a:rPr lang="en-US" dirty="0"/>
-                        <a:t>Acronis @ </a:t>
-                      </a:r>
-                      <a:r>
-                        <a:rPr lang="ru-RU" dirty="0"/>
-                        <a:t>МФТИ</a:t>
-                      </a:r>
+                      <a:endParaRPr lang="ru-RU" dirty="0"/>
                     </a:p>
                   </a:txBody>
                   <a:tcPr/>
@@ -12330,7 +12416,7 @@
           <p:nvPr>
             <p:extLst>
               <p:ext uri="{D42A27DB-BD31-4B8C-83A1-F6EECF244321}">
-                <p14:modId xmlns:p14="http://schemas.microsoft.com/office/powerpoint/2010/main" val="4164474727"/>
+                <p14:modId xmlns:p14="http://schemas.microsoft.com/office/powerpoint/2010/main" val="2711578720"/>
               </p:ext>
             </p:extLst>
           </p:nvPr>
@@ -12360,14 +12446,7 @@
                     <a:bodyPr/>
                     <a:lstStyle/>
                     <a:p>
-                      <a:r>
-                        <a:rPr lang="en-US" dirty="0"/>
-                        <a:t>Acronis @ </a:t>
-                      </a:r>
-                      <a:r>
-                        <a:rPr lang="ru-RU" dirty="0"/>
-                        <a:t>МФТИ</a:t>
-                      </a:r>
+                      <a:endParaRPr lang="ru-RU" dirty="0"/>
                     </a:p>
                   </a:txBody>
                   <a:tcPr/>
@@ -13404,7 +13483,7 @@
           <p:nvPr>
             <p:extLst>
               <p:ext uri="{D42A27DB-BD31-4B8C-83A1-F6EECF244321}">
-                <p14:modId xmlns:p14="http://schemas.microsoft.com/office/powerpoint/2010/main" val="4164474727"/>
+                <p14:modId xmlns:p14="http://schemas.microsoft.com/office/powerpoint/2010/main" val="3872663712"/>
               </p:ext>
             </p:extLst>
           </p:nvPr>
@@ -13434,14 +13513,7 @@
                     <a:bodyPr/>
                     <a:lstStyle/>
                     <a:p>
-                      <a:r>
-                        <a:rPr lang="en-US" dirty="0"/>
-                        <a:t>Acronis @ </a:t>
-                      </a:r>
-                      <a:r>
-                        <a:rPr lang="ru-RU" dirty="0"/>
-                        <a:t>МФТИ</a:t>
-                      </a:r>
+                      <a:endParaRPr lang="ru-RU" dirty="0"/>
                     </a:p>
                   </a:txBody>
                   <a:tcPr/>
@@ -13595,9 +13667,7 @@
           <p:cNvGraphicFramePr>
             <a:graphicFrameLocks noGrp="1"/>
           </p:cNvGraphicFramePr>
-          <p:nvPr>
-            <p:extLst/>
-          </p:nvPr>
+          <p:nvPr/>
         </p:nvGraphicFramePr>
         <p:xfrm>
           <a:off x="0" y="1"/>
@@ -13654,7 +13724,11 @@
             <a:graphicFrameLocks noGrp="1"/>
           </p:cNvGraphicFramePr>
           <p:nvPr>
-            <p:extLst/>
+            <p:extLst>
+              <p:ext uri="{D42A27DB-BD31-4B8C-83A1-F6EECF244321}">
+                <p14:modId xmlns:p14="http://schemas.microsoft.com/office/powerpoint/2010/main" val="926760436"/>
+              </p:ext>
+            </p:extLst>
           </p:nvPr>
         </p:nvGraphicFramePr>
         <p:xfrm>
@@ -13682,14 +13756,7 @@
                     <a:bodyPr/>
                     <a:lstStyle/>
                     <a:p>
-                      <a:r>
-                        <a:rPr lang="en-US" dirty="0"/>
-                        <a:t>Acronis @ </a:t>
-                      </a:r>
-                      <a:r>
-                        <a:rPr lang="ru-RU" dirty="0"/>
-                        <a:t>МФТИ</a:t>
-                      </a:r>
+                      <a:endParaRPr lang="ru-RU" dirty="0"/>
                     </a:p>
                   </a:txBody>
                   <a:tcPr/>
@@ -13713,7 +13780,7 @@
           <p:nvPr>
             <p:extLst>
               <p:ext uri="{D42A27DB-BD31-4B8C-83A1-F6EECF244321}">
-                <p14:modId xmlns:p14="http://schemas.microsoft.com/office/powerpoint/2010/main" val="417005482"/>
+                <p14:modId xmlns:p14="http://schemas.microsoft.com/office/powerpoint/2010/main" val="3600347146"/>
               </p:ext>
             </p:extLst>
           </p:nvPr>
@@ -13842,7 +13909,7 @@
                       </a:r>
                       <a:r>
                         <a:rPr lang="en-US" sz="1800" dirty="0" err="1"/>
-                        <a:t>fdatasync</a:t>
+                        <a:t>fsync</a:t>
                       </a:r>
                       <a:r>
                         <a:rPr lang="en-US" sz="1800" dirty="0"/>
@@ -13892,8 +13959,12 @@
                         <a:buNone/>
                       </a:pPr>
                       <a:r>
+                        <a:rPr lang="ru-RU" sz="1800" b="1" dirty="0"/>
+                        <a:t>Пример:</a:t>
+                      </a:r>
+                      <a:r>
                         <a:rPr lang="ru-RU" sz="1800" dirty="0"/>
-                        <a:t>Пример: </a:t>
+                        <a:t> </a:t>
                       </a:r>
                       <a:r>
                         <a:rPr lang="en-US" sz="1800" dirty="0"/>
@@ -14019,7 +14090,7 @@
           <p:nvPr>
             <p:extLst>
               <p:ext uri="{D42A27DB-BD31-4B8C-83A1-F6EECF244321}">
-                <p14:modId xmlns:p14="http://schemas.microsoft.com/office/powerpoint/2010/main" val="4164474727"/>
+                <p14:modId xmlns:p14="http://schemas.microsoft.com/office/powerpoint/2010/main" val="973630033"/>
               </p:ext>
             </p:extLst>
           </p:nvPr>
@@ -14049,14 +14120,7 @@
                     <a:bodyPr/>
                     <a:lstStyle/>
                     <a:p>
-                      <a:r>
-                        <a:rPr lang="en-US" dirty="0"/>
-                        <a:t>Acronis @ </a:t>
-                      </a:r>
-                      <a:r>
-                        <a:rPr lang="ru-RU" dirty="0"/>
-                        <a:t>МФТИ</a:t>
-                      </a:r>
+                      <a:endParaRPr lang="ru-RU" dirty="0"/>
                     </a:p>
                   </a:txBody>
                   <a:tcPr/>
@@ -14080,14 +14144,14 @@
           <p:nvPr>
             <p:extLst>
               <p:ext uri="{D42A27DB-BD31-4B8C-83A1-F6EECF244321}">
-                <p14:modId xmlns:p14="http://schemas.microsoft.com/office/powerpoint/2010/main" val="3166400241"/>
+                <p14:modId xmlns:p14="http://schemas.microsoft.com/office/powerpoint/2010/main" val="928199556"/>
               </p:ext>
             </p:extLst>
           </p:nvPr>
         </p:nvGraphicFramePr>
         <p:xfrm>
           <a:off x="0" y="365761"/>
-          <a:ext cx="12192000" cy="4389120"/>
+          <a:ext cx="12192000" cy="4114800"/>
         </p:xfrm>
         <a:graphic>
           <a:graphicData uri="http://schemas.openxmlformats.org/drawingml/2006/table">
@@ -14179,7 +14243,16 @@
                       <a:pPr marL="0" indent="0">
                         <a:buNone/>
                       </a:pPr>
-                      <a:endParaRPr lang="en-US" sz="1800" dirty="0"/>
+                      <a:endParaRPr lang="ru-RU" sz="1800" dirty="0"/>
+                    </a:p>
+                    <a:p>
+                      <a:pPr marL="0" indent="0">
+                        <a:buNone/>
+                      </a:pPr>
+                      <a:r>
+                        <a:rPr lang="ru-RU" sz="1800" dirty="0"/>
+                        <a:t>Если при создании файла изменения сделать видимыми в таком порядке:</a:t>
+                      </a:r>
                     </a:p>
                     <a:p>
                       <a:pPr marL="0" indent="0">
@@ -14191,10 +14264,7 @@
                       <a:pPr marL="0" indent="0">
                         <a:buNone/>
                       </a:pPr>
-                      <a:r>
-                        <a:rPr lang="ru-RU" sz="1800" dirty="0"/>
-                        <a:t>Если при создании файла изменения сделать видимыми в таком порядке:</a:t>
-                      </a:r>
+                      <a:endParaRPr lang="ru-RU" sz="1800" dirty="0"/>
                     </a:p>
                     <a:p>
                       <a:pPr marL="0" indent="0">
@@ -14212,13 +14282,7 @@
                       <a:pPr marL="0" indent="0">
                         <a:buNone/>
                       </a:pPr>
-                      <a:endParaRPr lang="ru-RU" sz="1800" dirty="0"/>
-                    </a:p>
-                    <a:p>
-                      <a:pPr marL="0" indent="0">
-                        <a:buNone/>
-                      </a:pPr>
-                      <a:endParaRPr lang="ru-RU" sz="1800" dirty="0"/>
+                      <a:endParaRPr lang="en-US" sz="1800" dirty="0"/>
                     </a:p>
                     <a:p>
                       <a:pPr marL="0" indent="0">
@@ -14228,6 +14292,7 @@
                     </a:p>
                     <a:p>
                       <a:pPr marL="0" indent="0">
+                        <a:buFont typeface="+mj-lt"/>
                         <a:buNone/>
                       </a:pPr>
                       <a:endParaRPr lang="en-US" sz="1800" dirty="0"/>
@@ -14238,21 +14303,6 @@
                         <a:buNone/>
                       </a:pPr>
                       <a:endParaRPr lang="ru-RU" sz="1800" dirty="0"/>
-                    </a:p>
-                    <a:p>
-                      <a:pPr marL="0" indent="0">
-                        <a:buFont typeface="+mj-lt"/>
-                        <a:buNone/>
-                      </a:pPr>
-                      <a:r>
-                        <a:rPr lang="ru-RU" sz="1800" dirty="0"/>
-                        <a:t>Размер каталога подрос до</a:t>
-                      </a:r>
-                      <a:r>
-                        <a:rPr lang="ru-RU" sz="1800" baseline="0" dirty="0"/>
-                        <a:t> того, как в нём появилась новая запись – читатель увидит мусор.</a:t>
-                      </a:r>
-                      <a:endParaRPr lang="en-US" sz="1800" dirty="0"/>
                     </a:p>
                   </a:txBody>
                   <a:tcPr/>
@@ -14276,7 +14326,7 @@
           <p:nvPr>
             <p:extLst>
               <p:ext uri="{D42A27DB-BD31-4B8C-83A1-F6EECF244321}">
-                <p14:modId xmlns:p14="http://schemas.microsoft.com/office/powerpoint/2010/main" val="2250020400"/>
+                <p14:modId xmlns:p14="http://schemas.microsoft.com/office/powerpoint/2010/main" val="1827213637"/>
               </p:ext>
             </p:extLst>
           </p:nvPr>
@@ -14522,7 +14572,7 @@
                             <a:srgbClr val="00B050"/>
                           </a:solidFill>
                         </a:rPr>
-                        <a:t>(6)</a:t>
+                        <a:t>(7)</a:t>
                       </a:r>
                       <a:endParaRPr lang="ru-RU" sz="2400" dirty="0">
                         <a:solidFill>
@@ -14552,7 +14602,7 @@
           <p:nvPr>
             <p:extLst>
               <p:ext uri="{D42A27DB-BD31-4B8C-83A1-F6EECF244321}">
-                <p14:modId xmlns:p14="http://schemas.microsoft.com/office/powerpoint/2010/main" val="473598017"/>
+                <p14:modId xmlns:p14="http://schemas.microsoft.com/office/powerpoint/2010/main" val="1014125658"/>
               </p:ext>
             </p:extLst>
           </p:nvPr>
@@ -14589,14 +14639,14 @@
                     </a:ext>
                   </a:extLst>
                 </a:gridCol>
-                <a:gridCol w="1582765">
+                <a:gridCol w="1781434">
                   <a:extLst>
                     <a:ext uri="{9D8B030D-6E8A-4147-A177-3AD203B41FA5}">
                       <a16:colId xmlns:a16="http://schemas.microsoft.com/office/drawing/2014/main" val="20003"/>
                     </a:ext>
                   </a:extLst>
                 </a:gridCol>
-                <a:gridCol w="1399334">
+                <a:gridCol w="1200665">
                   <a:extLst>
                     <a:ext uri="{9D8B030D-6E8A-4147-A177-3AD203B41FA5}">
                       <a16:colId xmlns:a16="http://schemas.microsoft.com/office/drawing/2014/main" val="20004"/>
@@ -14662,7 +14712,7 @@
                             <a:srgbClr val="00B050"/>
                           </a:solidFill>
                         </a:rPr>
-                        <a:t>(4)</a:t>
+                        <a:t>(5)</a:t>
                       </a:r>
                       <a:endParaRPr lang="ru-RU" sz="2400" dirty="0">
                         <a:solidFill>
@@ -14746,7 +14796,7 @@
                             <a:srgbClr val="00B050"/>
                           </a:solidFill>
                         </a:rPr>
-                        <a:t>(5)</a:t>
+                        <a:t>(4, 6)</a:t>
                       </a:r>
                       <a:endParaRPr lang="ru-RU" sz="2400" dirty="0">
                         <a:solidFill>
@@ -14791,7 +14841,7 @@
     </p:spTree>
     <p:extLst>
       <p:ext uri="{BB962C8B-B14F-4D97-AF65-F5344CB8AC3E}">
-        <p14:creationId xmlns:p14="http://schemas.microsoft.com/office/powerpoint/2010/main" val="1293061626"/>
+        <p14:creationId xmlns:p14="http://schemas.microsoft.com/office/powerpoint/2010/main" val="2771251641"/>
       </p:ext>
     </p:extLst>
   </p:cSld>
@@ -14824,13 +14874,7 @@
           <p:cNvGraphicFramePr>
             <a:graphicFrameLocks noGrp="1"/>
           </p:cNvGraphicFramePr>
-          <p:nvPr>
-            <p:extLst>
-              <p:ext uri="{D42A27DB-BD31-4B8C-83A1-F6EECF244321}">
-                <p14:modId xmlns:p14="http://schemas.microsoft.com/office/powerpoint/2010/main" val="2281224332"/>
-              </p:ext>
-            </p:extLst>
-          </p:nvPr>
+          <p:nvPr/>
         </p:nvGraphicFramePr>
         <p:xfrm>
           <a:off x="0" y="1"/>
@@ -14889,7 +14933,7 @@
           <p:nvPr>
             <p:extLst>
               <p:ext uri="{D42A27DB-BD31-4B8C-83A1-F6EECF244321}">
-                <p14:modId xmlns:p14="http://schemas.microsoft.com/office/powerpoint/2010/main" val="4164474727"/>
+                <p14:modId xmlns:p14="http://schemas.microsoft.com/office/powerpoint/2010/main" val="892151439"/>
               </p:ext>
             </p:extLst>
           </p:nvPr>
@@ -14919,14 +14963,7 @@
                     <a:bodyPr/>
                     <a:lstStyle/>
                     <a:p>
-                      <a:r>
-                        <a:rPr lang="en-US" dirty="0"/>
-                        <a:t>Acronis @ </a:t>
-                      </a:r>
-                      <a:r>
-                        <a:rPr lang="ru-RU" dirty="0"/>
-                        <a:t>МФТИ</a:t>
-                      </a:r>
+                      <a:endParaRPr lang="ru-RU" dirty="0"/>
                     </a:p>
                   </a:txBody>
                   <a:tcPr/>
@@ -14950,14 +14987,14 @@
           <p:nvPr>
             <p:extLst>
               <p:ext uri="{D42A27DB-BD31-4B8C-83A1-F6EECF244321}">
-                <p14:modId xmlns:p14="http://schemas.microsoft.com/office/powerpoint/2010/main" val="2635058105"/>
+                <p14:modId xmlns:p14="http://schemas.microsoft.com/office/powerpoint/2010/main" val="1119379845"/>
               </p:ext>
             </p:extLst>
           </p:nvPr>
         </p:nvGraphicFramePr>
         <p:xfrm>
           <a:off x="0" y="365761"/>
-          <a:ext cx="12192000" cy="5029200"/>
+          <a:ext cx="12192000" cy="5577840"/>
         </p:xfrm>
         <a:graphic>
           <a:graphicData uri="http://schemas.openxmlformats.org/drawingml/2006/table">
@@ -15055,12 +15092,6 @@
                       <a:pPr marL="0" indent="0">
                         <a:buNone/>
                       </a:pPr>
-                      <a:endParaRPr lang="ru-RU" sz="1800" dirty="0"/>
-                    </a:p>
-                    <a:p>
-                      <a:pPr marL="0" indent="0">
-                        <a:buNone/>
-                      </a:pPr>
                       <a:r>
                         <a:rPr lang="ru-RU" sz="1800" dirty="0"/>
                         <a:t>Если при создании файла изменения сделать видимыми в таком порядке:</a:t>
@@ -15098,6 +15129,13 @@
                     </a:p>
                     <a:p>
                       <a:pPr marL="0" indent="0">
+                        <a:buNone/>
+                      </a:pPr>
+                      <a:endParaRPr lang="en-US" sz="1800" dirty="0"/>
+                    </a:p>
+                    <a:p>
+                      <a:pPr marL="0" indent="0">
+                        <a:buFont typeface="+mj-lt"/>
                         <a:buNone/>
                       </a:pPr>
                       <a:endParaRPr lang="en-US" sz="1800" dirty="0"/>
@@ -15108,21 +15146,6 @@
                         <a:buNone/>
                       </a:pPr>
                       <a:endParaRPr lang="ru-RU" sz="1800" dirty="0"/>
-                    </a:p>
-                    <a:p>
-                      <a:pPr marL="0" indent="0">
-                        <a:buFont typeface="+mj-lt"/>
-                        <a:buNone/>
-                      </a:pPr>
-                      <a:r>
-                        <a:rPr lang="ru-RU" sz="1800" dirty="0"/>
-                        <a:t>Размер каталога подрос до</a:t>
-                      </a:r>
-                      <a:r>
-                        <a:rPr lang="ru-RU" sz="1800" baseline="0" dirty="0"/>
-                        <a:t> того, как в нём появилась новая запись – читатель увидит мусор.</a:t>
-                      </a:r>
-                      <a:endParaRPr lang="en-US" sz="1800" dirty="0"/>
                     </a:p>
                   </a:txBody>
                   <a:tcPr/>
@@ -15163,7 +15186,55 @@
                         <a:rPr lang="ru-RU" sz="1800" baseline="0" dirty="0"/>
                         <a:t>после записи. Но так будет слишком медленно.</a:t>
                       </a:r>
-                      <a:endParaRPr lang="en-US" sz="1800" dirty="0"/>
+                      <a:endParaRPr lang="en-US" sz="1800" baseline="0" dirty="0"/>
+                    </a:p>
+                    <a:p>
+                      <a:pPr marL="0" indent="0">
+                        <a:buFont typeface="+mj-lt"/>
+                        <a:buNone/>
+                      </a:pPr>
+                      <a:endParaRPr lang="en-US" sz="1800" baseline="0" dirty="0"/>
+                    </a:p>
+                    <a:p>
+                      <a:pPr marL="0" marR="0" lvl="0" indent="0" algn="l" defTabSz="914400" rtl="0" eaLnBrk="1" fontAlgn="auto" latinLnBrk="0" hangingPunct="1">
+                        <a:lnSpc>
+                          <a:spcPct val="100000"/>
+                        </a:lnSpc>
+                        <a:spcBef>
+                          <a:spcPts val="0"/>
+                        </a:spcBef>
+                        <a:spcAft>
+                          <a:spcPts val="0"/>
+                        </a:spcAft>
+                        <a:buClrTx/>
+                        <a:buSzTx/>
+                        <a:buFont typeface="+mj-lt"/>
+                        <a:buNone/>
+                        <a:tabLst/>
+                        <a:defRPr/>
+                      </a:pPr>
+                      <a:r>
+                        <a:rPr lang="ru-RU" sz="1800" b="1" baseline="0" dirty="0"/>
+                        <a:t>См. также:</a:t>
+                      </a:r>
+                      <a:r>
+                        <a:rPr lang="ru-RU" sz="1800" baseline="0" dirty="0"/>
+                        <a:t> </a:t>
+                      </a:r>
+                      <a:r>
+                        <a:rPr lang="en-GB" sz="1800" baseline="0" dirty="0"/>
+                        <a:t>Soft Updates: A Technique for Eliminating Most Synchronous Writes in the Fast Filesystem,</a:t>
+                      </a:r>
+                      <a:br>
+                        <a:rPr lang="en-GB" sz="1800" baseline="0" dirty="0"/>
+                      </a:br>
+                      <a:r>
+                        <a:rPr lang="en-GB" sz="1800" baseline="0" dirty="0">
+                          <a:hlinkClick r:id="rId3"/>
+                        </a:rPr>
+                        <a:t>https://users.ece.cmu.edu/~ganger/papers/mckusick99.pdf</a:t>
+                      </a:r>
+                      <a:endParaRPr lang="en-GB" sz="1800" baseline="0" dirty="0"/>
                     </a:p>
                   </a:txBody>
                   <a:tcPr/>
@@ -15187,7 +15258,7 @@
           <p:nvPr>
             <p:extLst>
               <p:ext uri="{D42A27DB-BD31-4B8C-83A1-F6EECF244321}">
-                <p14:modId xmlns:p14="http://schemas.microsoft.com/office/powerpoint/2010/main" val="2250020400"/>
+                <p14:modId xmlns:p14="http://schemas.microsoft.com/office/powerpoint/2010/main" val="673413516"/>
               </p:ext>
             </p:extLst>
           </p:nvPr>
@@ -15425,15 +15496,15 @@
                         <a:rPr lang="en-US" baseline="0" dirty="0"/>
                       </a:br>
                       <a:br>
-                        <a:rPr lang="en-US" baseline="0" dirty="0"/>
+                        <a:rPr lang="en-US" baseline="0"/>
                       </a:br>
                       <a:r>
-                        <a:rPr lang="en-US" sz="2400" baseline="0" dirty="0">
+                        <a:rPr lang="en-US" sz="2400" baseline="0">
                           <a:solidFill>
                             <a:srgbClr val="00B050"/>
                           </a:solidFill>
                         </a:rPr>
-                        <a:t>(6)</a:t>
+                        <a:t>(7)</a:t>
                       </a:r>
                       <a:endParaRPr lang="ru-RU" sz="2400" dirty="0">
                         <a:solidFill>
@@ -15460,13 +15531,7 @@
           <p:cNvGraphicFramePr>
             <a:graphicFrameLocks noGrp="1"/>
           </p:cNvGraphicFramePr>
-          <p:nvPr>
-            <p:extLst>
-              <p:ext uri="{D42A27DB-BD31-4B8C-83A1-F6EECF244321}">
-                <p14:modId xmlns:p14="http://schemas.microsoft.com/office/powerpoint/2010/main" val="473598017"/>
-              </p:ext>
-            </p:extLst>
-          </p:nvPr>
+          <p:nvPr/>
         </p:nvGraphicFramePr>
         <p:xfrm>
           <a:off x="3424195" y="3699096"/>
@@ -15500,14 +15565,14 @@
                     </a:ext>
                   </a:extLst>
                 </a:gridCol>
-                <a:gridCol w="1582765">
+                <a:gridCol w="1781434">
                   <a:extLst>
                     <a:ext uri="{9D8B030D-6E8A-4147-A177-3AD203B41FA5}">
                       <a16:colId xmlns:a16="http://schemas.microsoft.com/office/drawing/2014/main" val="20003"/>
                     </a:ext>
                   </a:extLst>
                 </a:gridCol>
-                <a:gridCol w="1399334">
+                <a:gridCol w="1200665">
                   <a:extLst>
                     <a:ext uri="{9D8B030D-6E8A-4147-A177-3AD203B41FA5}">
                       <a16:colId xmlns:a16="http://schemas.microsoft.com/office/drawing/2014/main" val="20004"/>
@@ -15573,7 +15638,7 @@
                             <a:srgbClr val="00B050"/>
                           </a:solidFill>
                         </a:rPr>
-                        <a:t>(4)</a:t>
+                        <a:t>(5)</a:t>
                       </a:r>
                       <a:endParaRPr lang="ru-RU" sz="2400" dirty="0">
                         <a:solidFill>
@@ -15657,7 +15722,7 @@
                             <a:srgbClr val="00B050"/>
                           </a:solidFill>
                         </a:rPr>
-                        <a:t>(5)</a:t>
+                        <a:t>(4, 6)</a:t>
                       </a:r>
                       <a:endParaRPr lang="ru-RU" sz="2400" dirty="0">
                         <a:solidFill>
@@ -15702,7 +15767,7 @@
     </p:spTree>
     <p:extLst>
       <p:ext uri="{BB962C8B-B14F-4D97-AF65-F5344CB8AC3E}">
-        <p14:creationId xmlns:p14="http://schemas.microsoft.com/office/powerpoint/2010/main" val="2771251641"/>
+        <p14:creationId xmlns:p14="http://schemas.microsoft.com/office/powerpoint/2010/main" val="3515130158"/>
       </p:ext>
     </p:extLst>
   </p:cSld>
@@ -15800,7 +15865,7 @@
           <p:nvPr>
             <p:extLst>
               <p:ext uri="{D42A27DB-BD31-4B8C-83A1-F6EECF244321}">
-                <p14:modId xmlns:p14="http://schemas.microsoft.com/office/powerpoint/2010/main" val="4164474727"/>
+                <p14:modId xmlns:p14="http://schemas.microsoft.com/office/powerpoint/2010/main" val="1599854972"/>
               </p:ext>
             </p:extLst>
           </p:nvPr>
@@ -15830,14 +15895,7 @@
                     <a:bodyPr/>
                     <a:lstStyle/>
                     <a:p>
-                      <a:r>
-                        <a:rPr lang="en-US" dirty="0"/>
-                        <a:t>Acronis @ </a:t>
-                      </a:r>
-                      <a:r>
-                        <a:rPr lang="ru-RU" dirty="0"/>
-                        <a:t>МФТИ</a:t>
-                      </a:r>
+                      <a:endParaRPr lang="ru-RU" dirty="0"/>
                     </a:p>
                   </a:txBody>
                   <a:tcPr/>
@@ -16576,7 +16634,7 @@
           <p:nvPr>
             <p:extLst>
               <p:ext uri="{D42A27DB-BD31-4B8C-83A1-F6EECF244321}">
-                <p14:modId xmlns:p14="http://schemas.microsoft.com/office/powerpoint/2010/main" val="4164474727"/>
+                <p14:modId xmlns:p14="http://schemas.microsoft.com/office/powerpoint/2010/main" val="559543795"/>
               </p:ext>
             </p:extLst>
           </p:nvPr>
@@ -16606,14 +16664,7 @@
                     <a:bodyPr/>
                     <a:lstStyle/>
                     <a:p>
-                      <a:r>
-                        <a:rPr lang="en-US" dirty="0"/>
-                        <a:t>Acronis @ </a:t>
-                      </a:r>
-                      <a:r>
-                        <a:rPr lang="ru-RU" dirty="0"/>
-                        <a:t>МФТИ</a:t>
-                      </a:r>
+                      <a:endParaRPr lang="ru-RU" dirty="0"/>
                     </a:p>
                   </a:txBody>
                   <a:tcPr/>
@@ -17401,7 +17452,7 @@
           <p:nvPr>
             <p:extLst>
               <p:ext uri="{D42A27DB-BD31-4B8C-83A1-F6EECF244321}">
-                <p14:modId xmlns:p14="http://schemas.microsoft.com/office/powerpoint/2010/main" val="4164474727"/>
+                <p14:modId xmlns:p14="http://schemas.microsoft.com/office/powerpoint/2010/main" val="3015521696"/>
               </p:ext>
             </p:extLst>
           </p:nvPr>
@@ -17431,14 +17482,7 @@
                     <a:bodyPr/>
                     <a:lstStyle/>
                     <a:p>
-                      <a:r>
-                        <a:rPr lang="en-US" dirty="0"/>
-                        <a:t>Acronis @ </a:t>
-                      </a:r>
-                      <a:r>
-                        <a:rPr lang="ru-RU" dirty="0"/>
-                        <a:t>МФТИ</a:t>
-                      </a:r>
+                      <a:endParaRPr lang="ru-RU" dirty="0"/>
                     </a:p>
                   </a:txBody>
                   <a:tcPr/>
@@ -17641,7 +17685,7 @@
           <p:nvPr>
             <p:extLst>
               <p:ext uri="{D42A27DB-BD31-4B8C-83A1-F6EECF244321}">
-                <p14:modId xmlns:p14="http://schemas.microsoft.com/office/powerpoint/2010/main" val="4164474727"/>
+                <p14:modId xmlns:p14="http://schemas.microsoft.com/office/powerpoint/2010/main" val="467582545"/>
               </p:ext>
             </p:extLst>
           </p:nvPr>
@@ -17671,14 +17715,7 @@
                     <a:bodyPr/>
                     <a:lstStyle/>
                     <a:p>
-                      <a:r>
-                        <a:rPr lang="en-US" dirty="0"/>
-                        <a:t>Acronis @ </a:t>
-                      </a:r>
-                      <a:r>
-                        <a:rPr lang="ru-RU" dirty="0"/>
-                        <a:t>МФТИ</a:t>
-                      </a:r>
+                      <a:endParaRPr lang="ru-RU" dirty="0"/>
                     </a:p>
                   </a:txBody>
                   <a:tcPr/>
@@ -17856,7 +17893,7 @@
           <p:nvPr>
             <p:extLst>
               <p:ext uri="{D42A27DB-BD31-4B8C-83A1-F6EECF244321}">
-                <p14:modId xmlns:p14="http://schemas.microsoft.com/office/powerpoint/2010/main" val="4164474727"/>
+                <p14:modId xmlns:p14="http://schemas.microsoft.com/office/powerpoint/2010/main" val="2008034211"/>
               </p:ext>
             </p:extLst>
           </p:nvPr>
@@ -17886,14 +17923,7 @@
                     <a:bodyPr/>
                     <a:lstStyle/>
                     <a:p>
-                      <a:r>
-                        <a:rPr lang="en-US" dirty="0"/>
-                        <a:t>Acronis @ </a:t>
-                      </a:r>
-                      <a:r>
-                        <a:rPr lang="ru-RU" dirty="0"/>
-                        <a:t>МФТИ</a:t>
-                      </a:r>
+                      <a:endParaRPr lang="ru-RU" dirty="0"/>
                     </a:p>
                   </a:txBody>
                   <a:tcPr/>
@@ -18136,7 +18166,7 @@
           <p:nvPr>
             <p:extLst>
               <p:ext uri="{D42A27DB-BD31-4B8C-83A1-F6EECF244321}">
-                <p14:modId xmlns:p14="http://schemas.microsoft.com/office/powerpoint/2010/main" val="4164474727"/>
+                <p14:modId xmlns:p14="http://schemas.microsoft.com/office/powerpoint/2010/main" val="1472895872"/>
               </p:ext>
             </p:extLst>
           </p:nvPr>
@@ -18166,14 +18196,7 @@
                     <a:bodyPr/>
                     <a:lstStyle/>
                     <a:p>
-                      <a:r>
-                        <a:rPr lang="en-US" dirty="0"/>
-                        <a:t>Acronis @ </a:t>
-                      </a:r>
-                      <a:r>
-                        <a:rPr lang="ru-RU" dirty="0"/>
-                        <a:t>МФТИ</a:t>
-                      </a:r>
+                      <a:endParaRPr lang="ru-RU" dirty="0"/>
                     </a:p>
                   </a:txBody>
                   <a:tcPr/>
@@ -18517,7 +18540,7 @@
           <p:nvPr>
             <p:extLst>
               <p:ext uri="{D42A27DB-BD31-4B8C-83A1-F6EECF244321}">
-                <p14:modId xmlns:p14="http://schemas.microsoft.com/office/powerpoint/2010/main" val="4164474727"/>
+                <p14:modId xmlns:p14="http://schemas.microsoft.com/office/powerpoint/2010/main" val="1517959913"/>
               </p:ext>
             </p:extLst>
           </p:nvPr>
@@ -18547,14 +18570,7 @@
                     <a:bodyPr/>
                     <a:lstStyle/>
                     <a:p>
-                      <a:r>
-                        <a:rPr lang="en-US" dirty="0"/>
-                        <a:t>Acronis @ </a:t>
-                      </a:r>
-                      <a:r>
-                        <a:rPr lang="ru-RU" dirty="0"/>
-                        <a:t>МФТИ</a:t>
-                      </a:r>
+                      <a:endParaRPr lang="ru-RU" dirty="0"/>
                     </a:p>
                   </a:txBody>
                   <a:tcPr/>
@@ -18875,7 +18891,7 @@
           <p:nvPr>
             <p:extLst>
               <p:ext uri="{D42A27DB-BD31-4B8C-83A1-F6EECF244321}">
-                <p14:modId xmlns:p14="http://schemas.microsoft.com/office/powerpoint/2010/main" val="4164474727"/>
+                <p14:modId xmlns:p14="http://schemas.microsoft.com/office/powerpoint/2010/main" val="3200399608"/>
               </p:ext>
             </p:extLst>
           </p:nvPr>
@@ -18905,14 +18921,7 @@
                     <a:bodyPr/>
                     <a:lstStyle/>
                     <a:p>
-                      <a:r>
-                        <a:rPr lang="en-US" dirty="0"/>
-                        <a:t>Acronis @ </a:t>
-                      </a:r>
-                      <a:r>
-                        <a:rPr lang="ru-RU" dirty="0"/>
-                        <a:t>МФТИ</a:t>
-                      </a:r>
+                      <a:endParaRPr lang="ru-RU" dirty="0"/>
                     </a:p>
                   </a:txBody>
                   <a:tcPr/>
@@ -19262,7 +19271,7 @@
           <p:nvPr>
             <p:extLst>
               <p:ext uri="{D42A27DB-BD31-4B8C-83A1-F6EECF244321}">
-                <p14:modId xmlns:p14="http://schemas.microsoft.com/office/powerpoint/2010/main" val="4164474727"/>
+                <p14:modId xmlns:p14="http://schemas.microsoft.com/office/powerpoint/2010/main" val="4067703605"/>
               </p:ext>
             </p:extLst>
           </p:nvPr>
@@ -19292,14 +19301,7 @@
                     <a:bodyPr/>
                     <a:lstStyle/>
                     <a:p>
-                      <a:r>
-                        <a:rPr lang="en-US" dirty="0"/>
-                        <a:t>Acronis @ </a:t>
-                      </a:r>
-                      <a:r>
-                        <a:rPr lang="ru-RU" dirty="0"/>
-                        <a:t>МФТИ</a:t>
-                      </a:r>
+                      <a:endParaRPr lang="ru-RU" dirty="0"/>
                     </a:p>
                   </a:txBody>
                   <a:tcPr/>
@@ -19705,7 +19707,7 @@
           <p:nvPr>
             <p:extLst>
               <p:ext uri="{D42A27DB-BD31-4B8C-83A1-F6EECF244321}">
-                <p14:modId xmlns:p14="http://schemas.microsoft.com/office/powerpoint/2010/main" val="4164474727"/>
+                <p14:modId xmlns:p14="http://schemas.microsoft.com/office/powerpoint/2010/main" val="778957795"/>
               </p:ext>
             </p:extLst>
           </p:nvPr>
@@ -19735,14 +19737,7 @@
                     <a:bodyPr/>
                     <a:lstStyle/>
                     <a:p>
-                      <a:r>
-                        <a:rPr lang="en-US" dirty="0"/>
-                        <a:t>Acronis @ </a:t>
-                      </a:r>
-                      <a:r>
-                        <a:rPr lang="ru-RU" dirty="0"/>
-                        <a:t>МФТИ</a:t>
-                      </a:r>
+                      <a:endParaRPr lang="ru-RU" dirty="0"/>
                     </a:p>
                   </a:txBody>
                   <a:tcPr/>
@@ -20013,7 +20008,7 @@
           <p:nvPr>
             <p:extLst>
               <p:ext uri="{D42A27DB-BD31-4B8C-83A1-F6EECF244321}">
-                <p14:modId xmlns:p14="http://schemas.microsoft.com/office/powerpoint/2010/main" val="4164474727"/>
+                <p14:modId xmlns:p14="http://schemas.microsoft.com/office/powerpoint/2010/main" val="165924084"/>
               </p:ext>
             </p:extLst>
           </p:nvPr>
@@ -20043,14 +20038,7 @@
                     <a:bodyPr/>
                     <a:lstStyle/>
                     <a:p>
-                      <a:r>
-                        <a:rPr lang="en-US" dirty="0"/>
-                        <a:t>Acronis @ </a:t>
-                      </a:r>
-                      <a:r>
-                        <a:rPr lang="ru-RU" dirty="0"/>
-                        <a:t>МФТИ</a:t>
-                      </a:r>
+                      <a:endParaRPr lang="ru-RU" dirty="0"/>
                     </a:p>
                   </a:txBody>
                   <a:tcPr/>
@@ -20796,7 +20784,7 @@
           <p:nvPr>
             <p:extLst>
               <p:ext uri="{D42A27DB-BD31-4B8C-83A1-F6EECF244321}">
-                <p14:modId xmlns:p14="http://schemas.microsoft.com/office/powerpoint/2010/main" val="4164474727"/>
+                <p14:modId xmlns:p14="http://schemas.microsoft.com/office/powerpoint/2010/main" val="695863763"/>
               </p:ext>
             </p:extLst>
           </p:nvPr>
@@ -20826,14 +20814,7 @@
                     <a:bodyPr/>
                     <a:lstStyle/>
                     <a:p>
-                      <a:r>
-                        <a:rPr lang="en-US" dirty="0"/>
-                        <a:t>Acronis @ </a:t>
-                      </a:r>
-                      <a:r>
-                        <a:rPr lang="ru-RU" dirty="0"/>
-                        <a:t>МФТИ</a:t>
-                      </a:r>
+                      <a:endParaRPr lang="ru-RU" dirty="0"/>
                     </a:p>
                   </a:txBody>
                   <a:tcPr/>
@@ -21776,7 +21757,7 @@
           <p:nvPr>
             <p:extLst>
               <p:ext uri="{D42A27DB-BD31-4B8C-83A1-F6EECF244321}">
-                <p14:modId xmlns:p14="http://schemas.microsoft.com/office/powerpoint/2010/main" val="4164474727"/>
+                <p14:modId xmlns:p14="http://schemas.microsoft.com/office/powerpoint/2010/main" val="793905187"/>
               </p:ext>
             </p:extLst>
           </p:nvPr>
@@ -21806,14 +21787,7 @@
                     <a:bodyPr/>
                     <a:lstStyle/>
                     <a:p>
-                      <a:r>
-                        <a:rPr lang="en-US" dirty="0"/>
-                        <a:t>Acronis @ </a:t>
-                      </a:r>
-                      <a:r>
-                        <a:rPr lang="ru-RU" dirty="0"/>
-                        <a:t>МФТИ</a:t>
-                      </a:r>
+                      <a:endParaRPr lang="ru-RU" dirty="0"/>
                     </a:p>
                   </a:txBody>
                   <a:tcPr/>
@@ -22053,9 +22027,7 @@
           <p:cNvGraphicFramePr>
             <a:graphicFrameLocks noGrp="1"/>
           </p:cNvGraphicFramePr>
-          <p:nvPr>
-            <p:extLst/>
-          </p:nvPr>
+          <p:nvPr/>
         </p:nvGraphicFramePr>
         <p:xfrm>
           <a:off x="0" y="1"/>
@@ -22112,7 +22084,11 @@
             <a:graphicFrameLocks noGrp="1"/>
           </p:cNvGraphicFramePr>
           <p:nvPr>
-            <p:extLst/>
+            <p:extLst>
+              <p:ext uri="{D42A27DB-BD31-4B8C-83A1-F6EECF244321}">
+                <p14:modId xmlns:p14="http://schemas.microsoft.com/office/powerpoint/2010/main" val="104397237"/>
+              </p:ext>
+            </p:extLst>
           </p:nvPr>
         </p:nvGraphicFramePr>
         <p:xfrm>
@@ -22140,14 +22116,7 @@
                     <a:bodyPr/>
                     <a:lstStyle/>
                     <a:p>
-                      <a:r>
-                        <a:rPr lang="en-US" dirty="0"/>
-                        <a:t>Acronis @ </a:t>
-                      </a:r>
-                      <a:r>
-                        <a:rPr lang="ru-RU" dirty="0"/>
-                        <a:t>МФТИ</a:t>
-                      </a:r>
+                      <a:endParaRPr lang="ru-RU" dirty="0"/>
                     </a:p>
                   </a:txBody>
                   <a:tcPr/>
@@ -22547,7 +22516,7 @@
           <p:nvPr>
             <p:extLst>
               <p:ext uri="{D42A27DB-BD31-4B8C-83A1-F6EECF244321}">
-                <p14:modId xmlns:p14="http://schemas.microsoft.com/office/powerpoint/2010/main" val="4164474727"/>
+                <p14:modId xmlns:p14="http://schemas.microsoft.com/office/powerpoint/2010/main" val="1361418978"/>
               </p:ext>
             </p:extLst>
           </p:nvPr>
@@ -22577,14 +22546,7 @@
                     <a:bodyPr/>
                     <a:lstStyle/>
                     <a:p>
-                      <a:r>
-                        <a:rPr lang="en-US" dirty="0"/>
-                        <a:t>Acronis @ </a:t>
-                      </a:r>
-                      <a:r>
-                        <a:rPr lang="ru-RU" dirty="0"/>
-                        <a:t>МФТИ</a:t>
-                      </a:r>
+                      <a:endParaRPr lang="ru-RU" dirty="0"/>
                     </a:p>
                   </a:txBody>
                   <a:tcPr/>
@@ -22821,7 +22783,7 @@
           <p:nvPr>
             <p:extLst>
               <p:ext uri="{D42A27DB-BD31-4B8C-83A1-F6EECF244321}">
-                <p14:modId xmlns:p14="http://schemas.microsoft.com/office/powerpoint/2010/main" val="4164474727"/>
+                <p14:modId xmlns:p14="http://schemas.microsoft.com/office/powerpoint/2010/main" val="2922465988"/>
               </p:ext>
             </p:extLst>
           </p:nvPr>
@@ -22851,14 +22813,7 @@
                     <a:bodyPr/>
                     <a:lstStyle/>
                     <a:p>
-                      <a:r>
-                        <a:rPr lang="en-US" dirty="0"/>
-                        <a:t>Acronis @ </a:t>
-                      </a:r>
-                      <a:r>
-                        <a:rPr lang="ru-RU" dirty="0"/>
-                        <a:t>МФТИ</a:t>
-                      </a:r>
+                      <a:endParaRPr lang="ru-RU" dirty="0"/>
                     </a:p>
                   </a:txBody>
                   <a:tcPr/>
@@ -23202,7 +23157,7 @@
           <p:nvPr>
             <p:extLst>
               <p:ext uri="{D42A27DB-BD31-4B8C-83A1-F6EECF244321}">
-                <p14:modId xmlns:p14="http://schemas.microsoft.com/office/powerpoint/2010/main" val="4164474727"/>
+                <p14:modId xmlns:p14="http://schemas.microsoft.com/office/powerpoint/2010/main" val="806686389"/>
               </p:ext>
             </p:extLst>
           </p:nvPr>
@@ -23232,14 +23187,7 @@
                     <a:bodyPr/>
                     <a:lstStyle/>
                     <a:p>
-                      <a:r>
-                        <a:rPr lang="en-US" dirty="0"/>
-                        <a:t>Acronis @ </a:t>
-                      </a:r>
-                      <a:r>
-                        <a:rPr lang="ru-RU" dirty="0"/>
-                        <a:t>МФТИ</a:t>
-                      </a:r>
+                      <a:endParaRPr lang="ru-RU" dirty="0"/>
                     </a:p>
                   </a:txBody>
                   <a:tcPr/>
@@ -23655,7 +23603,7 @@
           <p:nvPr>
             <p:extLst>
               <p:ext uri="{D42A27DB-BD31-4B8C-83A1-F6EECF244321}">
-                <p14:modId xmlns:p14="http://schemas.microsoft.com/office/powerpoint/2010/main" val="4164474727"/>
+                <p14:modId xmlns:p14="http://schemas.microsoft.com/office/powerpoint/2010/main" val="1553711654"/>
               </p:ext>
             </p:extLst>
           </p:nvPr>
@@ -23685,14 +23633,7 @@
                     <a:bodyPr/>
                     <a:lstStyle/>
                     <a:p>
-                      <a:r>
-                        <a:rPr lang="en-US" dirty="0"/>
-                        <a:t>Acronis @ </a:t>
-                      </a:r>
-                      <a:r>
-                        <a:rPr lang="ru-RU" dirty="0"/>
-                        <a:t>МФТИ</a:t>
-                      </a:r>
+                      <a:endParaRPr lang="ru-RU" dirty="0"/>
                     </a:p>
                   </a:txBody>
                   <a:tcPr/>
@@ -24122,7 +24063,7 @@
           <p:nvPr>
             <p:extLst>
               <p:ext uri="{D42A27DB-BD31-4B8C-83A1-F6EECF244321}">
-                <p14:modId xmlns:p14="http://schemas.microsoft.com/office/powerpoint/2010/main" val="4164474727"/>
+                <p14:modId xmlns:p14="http://schemas.microsoft.com/office/powerpoint/2010/main" val="2400437029"/>
               </p:ext>
             </p:extLst>
           </p:nvPr>
@@ -24152,14 +24093,7 @@
                     <a:bodyPr/>
                     <a:lstStyle/>
                     <a:p>
-                      <a:r>
-                        <a:rPr lang="en-US" dirty="0"/>
-                        <a:t>Acronis @ </a:t>
-                      </a:r>
-                      <a:r>
-                        <a:rPr lang="ru-RU" dirty="0"/>
-                        <a:t>МФТИ</a:t>
-                      </a:r>
+                      <a:endParaRPr lang="ru-RU" dirty="0"/>
                     </a:p>
                   </a:txBody>
                   <a:tcPr/>
@@ -24183,14 +24117,14 @@
           <p:nvPr>
             <p:extLst>
               <p:ext uri="{D42A27DB-BD31-4B8C-83A1-F6EECF244321}">
-                <p14:modId xmlns:p14="http://schemas.microsoft.com/office/powerpoint/2010/main" val="1630619957"/>
+                <p14:modId xmlns:p14="http://schemas.microsoft.com/office/powerpoint/2010/main" val="2472474241"/>
               </p:ext>
             </p:extLst>
           </p:nvPr>
         </p:nvGraphicFramePr>
         <p:xfrm>
           <a:off x="0" y="365761"/>
-          <a:ext cx="12192000" cy="5034280"/>
+          <a:ext cx="12192000" cy="5308600"/>
         </p:xfrm>
         <a:graphic>
           <a:graphicData uri="http://schemas.openxmlformats.org/drawingml/2006/table">
@@ -24280,31 +24214,52 @@
                         <a:buChar char="•"/>
                       </a:pPr>
                       <a:r>
-                        <a:rPr lang="en-US" dirty="0"/>
-                        <a:t>Open: </a:t>
-                      </a:r>
-                      <a:r>
-                        <a:rPr lang="en-US" dirty="0" err="1"/>
+                        <a:rPr lang="en-US" dirty="0">
+                          <a:latin typeface="Consolas" panose="020B0609020204030204" pitchFamily="49" charset="0"/>
+                          <a:cs typeface="Consolas" panose="020B0609020204030204" pitchFamily="49" charset="0"/>
+                        </a:rPr>
+                        <a:t>Open:      (</a:t>
+                      </a:r>
+                      <a:r>
+                        <a:rPr lang="en-US" dirty="0" err="1">
+                          <a:latin typeface="Consolas" panose="020B0609020204030204" pitchFamily="49" charset="0"/>
+                          <a:cs typeface="Consolas" panose="020B0609020204030204" pitchFamily="49" charset="0"/>
+                        </a:rPr>
                         <a:t>file_name</a:t>
                       </a:r>
                       <a:r>
-                        <a:rPr lang="en-US" dirty="0"/>
+                        <a:rPr lang="en-US" dirty="0">
+                          <a:latin typeface="Consolas" panose="020B0609020204030204" pitchFamily="49" charset="0"/>
+                          <a:cs typeface="Consolas" panose="020B0609020204030204" pitchFamily="49" charset="0"/>
+                        </a:rPr>
                         <a:t>, </a:t>
                       </a:r>
                       <a:r>
-                        <a:rPr lang="en-US" dirty="0" err="1"/>
+                        <a:rPr lang="en-US" dirty="0" err="1">
+                          <a:latin typeface="Consolas" panose="020B0609020204030204" pitchFamily="49" charset="0"/>
+                          <a:cs typeface="Consolas" panose="020B0609020204030204" pitchFamily="49" charset="0"/>
+                        </a:rPr>
                         <a:t>lock_level</a:t>
                       </a:r>
                       <a:r>
-                        <a:rPr lang="en-US" dirty="0"/>
-                        <a:t> --&gt; </a:t>
-                      </a:r>
-                      <a:r>
-                        <a:rPr lang="en-US" dirty="0" err="1"/>
+                        <a:rPr lang="en-US" dirty="0">
+                          <a:latin typeface="Consolas" panose="020B0609020204030204" pitchFamily="49" charset="0"/>
+                          <a:cs typeface="Consolas" panose="020B0609020204030204" pitchFamily="49" charset="0"/>
+                        </a:rPr>
+                        <a:t>)            -&gt; </a:t>
+                      </a:r>
+                      <a:r>
+                        <a:rPr lang="en-US" dirty="0" err="1">
+                          <a:latin typeface="Consolas" panose="020B0609020204030204" pitchFamily="49" charset="0"/>
+                          <a:cs typeface="Consolas" panose="020B0609020204030204" pitchFamily="49" charset="0"/>
+                        </a:rPr>
                         <a:t>lock_id</a:t>
                       </a:r>
                       <a:r>
-                        <a:rPr lang="en-US" dirty="0"/>
+                        <a:rPr lang="en-US" dirty="0">
+                          <a:latin typeface="Consolas" panose="020B0609020204030204" pitchFamily="49" charset="0"/>
+                          <a:cs typeface="Consolas" panose="020B0609020204030204" pitchFamily="49" charset="0"/>
+                        </a:rPr>
                         <a:t>,</a:t>
                       </a:r>
                     </a:p>
@@ -24314,24 +24269,39 @@
                         <a:buChar char="•"/>
                       </a:pPr>
                       <a:r>
-                        <a:rPr lang="en-US" dirty="0"/>
-                        <a:t>Read: </a:t>
-                      </a:r>
-                      <a:r>
-                        <a:rPr lang="en-US" dirty="0" err="1"/>
+                        <a:rPr lang="en-US" dirty="0">
+                          <a:latin typeface="Consolas" panose="020B0609020204030204" pitchFamily="49" charset="0"/>
+                          <a:cs typeface="Consolas" panose="020B0609020204030204" pitchFamily="49" charset="0"/>
+                        </a:rPr>
+                        <a:t>Read:      (</a:t>
+                      </a:r>
+                      <a:r>
+                        <a:rPr lang="en-US" dirty="0" err="1">
+                          <a:latin typeface="Consolas" panose="020B0609020204030204" pitchFamily="49" charset="0"/>
+                          <a:cs typeface="Consolas" panose="020B0609020204030204" pitchFamily="49" charset="0"/>
+                        </a:rPr>
                         <a:t>file_name</a:t>
                       </a:r>
                       <a:r>
-                        <a:rPr lang="en-US" dirty="0"/>
+                        <a:rPr lang="en-US" dirty="0">
+                          <a:latin typeface="Consolas" panose="020B0609020204030204" pitchFamily="49" charset="0"/>
+                          <a:cs typeface="Consolas" panose="020B0609020204030204" pitchFamily="49" charset="0"/>
+                        </a:rPr>
                         <a:t>, </a:t>
                       </a:r>
                       <a:r>
-                        <a:rPr lang="en-US" dirty="0" err="1"/>
+                        <a:rPr lang="en-US" dirty="0" err="1">
+                          <a:latin typeface="Consolas" panose="020B0609020204030204" pitchFamily="49" charset="0"/>
+                          <a:cs typeface="Consolas" panose="020B0609020204030204" pitchFamily="49" charset="0"/>
+                        </a:rPr>
                         <a:t>lock_id</a:t>
                       </a:r>
                       <a:r>
-                        <a:rPr lang="en-US" dirty="0"/>
-                        <a:t>, offset, size --&gt; data,</a:t>
+                        <a:rPr lang="en-US" dirty="0">
+                          <a:latin typeface="Consolas" panose="020B0609020204030204" pitchFamily="49" charset="0"/>
+                          <a:cs typeface="Consolas" panose="020B0609020204030204" pitchFamily="49" charset="0"/>
+                        </a:rPr>
+                        <a:t>, offset, size) -&gt; data,</a:t>
                       </a:r>
                     </a:p>
                     <a:p>
@@ -24340,28 +24310,46 @@
                         <a:buChar char="•"/>
                       </a:pPr>
                       <a:r>
-                        <a:rPr lang="en-US" dirty="0"/>
-                        <a:t>Append: </a:t>
-                      </a:r>
-                      <a:r>
-                        <a:rPr lang="en-US" dirty="0" err="1"/>
+                        <a:rPr lang="en-US" dirty="0">
+                          <a:latin typeface="Consolas" panose="020B0609020204030204" pitchFamily="49" charset="0"/>
+                          <a:cs typeface="Consolas" panose="020B0609020204030204" pitchFamily="49" charset="0"/>
+                        </a:rPr>
+                        <a:t>Append:    (</a:t>
+                      </a:r>
+                      <a:r>
+                        <a:rPr lang="en-US" dirty="0" err="1">
+                          <a:latin typeface="Consolas" panose="020B0609020204030204" pitchFamily="49" charset="0"/>
+                          <a:cs typeface="Consolas" panose="020B0609020204030204" pitchFamily="49" charset="0"/>
+                        </a:rPr>
                         <a:t>file_name</a:t>
                       </a:r>
                       <a:r>
-                        <a:rPr lang="en-US" dirty="0"/>
+                        <a:rPr lang="en-US" dirty="0">
+                          <a:latin typeface="Consolas" panose="020B0609020204030204" pitchFamily="49" charset="0"/>
+                          <a:cs typeface="Consolas" panose="020B0609020204030204" pitchFamily="49" charset="0"/>
+                        </a:rPr>
                         <a:t>,</a:t>
                       </a:r>
                       <a:r>
-                        <a:rPr lang="en-US" baseline="0" dirty="0"/>
+                        <a:rPr lang="en-US" baseline="0" dirty="0">
+                          <a:latin typeface="Consolas" panose="020B0609020204030204" pitchFamily="49" charset="0"/>
+                          <a:cs typeface="Consolas" panose="020B0609020204030204" pitchFamily="49" charset="0"/>
+                        </a:rPr>
                         <a:t> </a:t>
                       </a:r>
                       <a:r>
-                        <a:rPr lang="en-US" baseline="0" dirty="0" err="1"/>
+                        <a:rPr lang="en-US" baseline="0" dirty="0" err="1">
+                          <a:latin typeface="Consolas" panose="020B0609020204030204" pitchFamily="49" charset="0"/>
+                          <a:cs typeface="Consolas" panose="020B0609020204030204" pitchFamily="49" charset="0"/>
+                        </a:rPr>
                         <a:t>lock_id</a:t>
                       </a:r>
                       <a:r>
-                        <a:rPr lang="en-US" baseline="0" dirty="0"/>
-                        <a:t>, data,</a:t>
+                        <a:rPr lang="en-US" baseline="0" dirty="0">
+                          <a:latin typeface="Consolas" panose="020B0609020204030204" pitchFamily="49" charset="0"/>
+                          <a:cs typeface="Consolas" panose="020B0609020204030204" pitchFamily="49" charset="0"/>
+                        </a:rPr>
+                        <a:t>, data)         -&gt; (),</a:t>
                       </a:r>
                     </a:p>
                     <a:p>
@@ -24370,28 +24358,46 @@
                         <a:buChar char="•"/>
                       </a:pPr>
                       <a:r>
-                        <a:rPr lang="en-US" baseline="0" dirty="0" err="1"/>
+                        <a:rPr lang="en-US" baseline="0" dirty="0" err="1">
+                          <a:latin typeface="Consolas" panose="020B0609020204030204" pitchFamily="49" charset="0"/>
+                          <a:cs typeface="Consolas" panose="020B0609020204030204" pitchFamily="49" charset="0"/>
+                        </a:rPr>
                         <a:t>PunchHole</a:t>
                       </a:r>
                       <a:r>
-                        <a:rPr lang="en-US" baseline="0" dirty="0"/>
-                        <a:t>: </a:t>
-                      </a:r>
-                      <a:r>
-                        <a:rPr lang="en-US" baseline="0" dirty="0" err="1"/>
+                        <a:rPr lang="en-US" baseline="0" dirty="0">
+                          <a:latin typeface="Consolas" panose="020B0609020204030204" pitchFamily="49" charset="0"/>
+                          <a:cs typeface="Consolas" panose="020B0609020204030204" pitchFamily="49" charset="0"/>
+                        </a:rPr>
+                        <a:t>: (</a:t>
+                      </a:r>
+                      <a:r>
+                        <a:rPr lang="en-US" baseline="0" dirty="0" err="1">
+                          <a:latin typeface="Consolas" panose="020B0609020204030204" pitchFamily="49" charset="0"/>
+                          <a:cs typeface="Consolas" panose="020B0609020204030204" pitchFamily="49" charset="0"/>
+                        </a:rPr>
                         <a:t>file_name</a:t>
                       </a:r>
                       <a:r>
-                        <a:rPr lang="en-US" baseline="0" dirty="0"/>
+                        <a:rPr lang="en-US" baseline="0" dirty="0">
+                          <a:latin typeface="Consolas" panose="020B0609020204030204" pitchFamily="49" charset="0"/>
+                          <a:cs typeface="Consolas" panose="020B0609020204030204" pitchFamily="49" charset="0"/>
+                        </a:rPr>
                         <a:t>, </a:t>
                       </a:r>
                       <a:r>
-                        <a:rPr lang="en-US" baseline="0" dirty="0" err="1"/>
+                        <a:rPr lang="en-US" baseline="0" dirty="0" err="1">
+                          <a:latin typeface="Consolas" panose="020B0609020204030204" pitchFamily="49" charset="0"/>
+                          <a:cs typeface="Consolas" panose="020B0609020204030204" pitchFamily="49" charset="0"/>
+                        </a:rPr>
                         <a:t>lock_id</a:t>
                       </a:r>
                       <a:r>
-                        <a:rPr lang="en-US" baseline="0" dirty="0"/>
-                        <a:t>, hole,</a:t>
+                        <a:rPr lang="en-US" baseline="0" dirty="0">
+                          <a:latin typeface="Consolas" panose="020B0609020204030204" pitchFamily="49" charset="0"/>
+                          <a:cs typeface="Consolas" panose="020B0609020204030204" pitchFamily="49" charset="0"/>
+                        </a:rPr>
+                        <a:t>, hole)         -&gt; (),</a:t>
                       </a:r>
                     </a:p>
                     <a:p>
@@ -24400,16 +24406,25 @@
                         <a:buChar char="•"/>
                       </a:pPr>
                       <a:r>
-                        <a:rPr lang="en-US" baseline="0" dirty="0"/>
-                        <a:t>Close: </a:t>
-                      </a:r>
-                      <a:r>
-                        <a:rPr lang="en-US" baseline="0" dirty="0" err="1"/>
+                        <a:rPr lang="en-US" baseline="0" dirty="0">
+                          <a:latin typeface="Consolas" panose="020B0609020204030204" pitchFamily="49" charset="0"/>
+                          <a:cs typeface="Consolas" panose="020B0609020204030204" pitchFamily="49" charset="0"/>
+                        </a:rPr>
+                        <a:t>Close:     (</a:t>
+                      </a:r>
+                      <a:r>
+                        <a:rPr lang="en-US" baseline="0" dirty="0" err="1">
+                          <a:latin typeface="Consolas" panose="020B0609020204030204" pitchFamily="49" charset="0"/>
+                          <a:cs typeface="Consolas" panose="020B0609020204030204" pitchFamily="49" charset="0"/>
+                        </a:rPr>
                         <a:t>lock_id</a:t>
                       </a:r>
                       <a:r>
-                        <a:rPr lang="en-US" baseline="0" dirty="0"/>
-                        <a:t>,</a:t>
+                        <a:rPr lang="en-US" baseline="0" dirty="0">
+                          <a:latin typeface="Consolas" panose="020B0609020204030204" pitchFamily="49" charset="0"/>
+                          <a:cs typeface="Consolas" panose="020B0609020204030204" pitchFamily="49" charset="0"/>
+                        </a:rPr>
+                        <a:t>)                          -&gt; (),</a:t>
                       </a:r>
                     </a:p>
                     <a:p>
@@ -24418,24 +24433,59 @@
                         <a:buChar char="•"/>
                       </a:pPr>
                       <a:r>
-                        <a:rPr lang="en-US" baseline="0" dirty="0"/>
-                        <a:t>Rename: </a:t>
-                      </a:r>
-                      <a:r>
-                        <a:rPr lang="en-US" baseline="0" dirty="0" err="1"/>
-                        <a:t>file_path_src</a:t>
-                      </a:r>
-                      <a:r>
-                        <a:rPr lang="en-US" baseline="0" dirty="0"/>
+                        <a:rPr lang="en-US" baseline="0" dirty="0">
+                          <a:latin typeface="Consolas" panose="020B0609020204030204" pitchFamily="49" charset="0"/>
+                          <a:cs typeface="Consolas" panose="020B0609020204030204" pitchFamily="49" charset="0"/>
+                        </a:rPr>
+                        <a:t>Rename:    (</a:t>
+                      </a:r>
+                      <a:r>
+                        <a:rPr lang="en-US" baseline="0" dirty="0" err="1">
+                          <a:latin typeface="Consolas" panose="020B0609020204030204" pitchFamily="49" charset="0"/>
+                          <a:cs typeface="Consolas" panose="020B0609020204030204" pitchFamily="49" charset="0"/>
+                        </a:rPr>
+                        <a:t>file_name_src</a:t>
+                      </a:r>
+                      <a:r>
+                        <a:rPr lang="en-US" baseline="0" dirty="0">
+                          <a:latin typeface="Consolas" panose="020B0609020204030204" pitchFamily="49" charset="0"/>
+                          <a:cs typeface="Consolas" panose="020B0609020204030204" pitchFamily="49" charset="0"/>
+                        </a:rPr>
                         <a:t>, </a:t>
                       </a:r>
                       <a:r>
-                        <a:rPr lang="en-US" baseline="0" dirty="0" err="1"/>
-                        <a:t>file_path_dst</a:t>
-                      </a:r>
-                      <a:r>
-                        <a:rPr lang="en-US" baseline="0" dirty="0"/>
-                        <a:t>.</a:t>
+                        <a:rPr lang="en-US" baseline="0" dirty="0" err="1">
+                          <a:latin typeface="Consolas" panose="020B0609020204030204" pitchFamily="49" charset="0"/>
+                          <a:cs typeface="Consolas" panose="020B0609020204030204" pitchFamily="49" charset="0"/>
+                        </a:rPr>
+                        <a:t>file_name_dst</a:t>
+                      </a:r>
+                      <a:r>
+                        <a:rPr lang="en-US" baseline="0" dirty="0">
+                          <a:latin typeface="Consolas" panose="020B0609020204030204" pitchFamily="49" charset="0"/>
+                          <a:cs typeface="Consolas" panose="020B0609020204030204" pitchFamily="49" charset="0"/>
+                        </a:rPr>
+                        <a:t>)     -&gt; (),</a:t>
+                      </a:r>
+                    </a:p>
+                    <a:p>
+                      <a:pPr marL="285750" indent="-285750">
+                        <a:buFont typeface="Arial" charset="0"/>
+                        <a:buChar char="•"/>
+                      </a:pPr>
+                      <a:r>
+                        <a:rPr lang="en-US" baseline="0" dirty="0" err="1">
+                          <a:latin typeface="Consolas" panose="020B0609020204030204" pitchFamily="49" charset="0"/>
+                          <a:cs typeface="Consolas" panose="020B0609020204030204" pitchFamily="49" charset="0"/>
+                        </a:rPr>
+                        <a:t>SwapFiles</a:t>
+                      </a:r>
+                      <a:r>
+                        <a:rPr lang="en-US" baseline="0" dirty="0">
+                          <a:latin typeface="Consolas" panose="020B0609020204030204" pitchFamily="49" charset="0"/>
+                          <a:cs typeface="Consolas" panose="020B0609020204030204" pitchFamily="49" charset="0"/>
+                        </a:rPr>
+                        <a:t>: (file_path_0, file_path_1)         -&gt; ().</a:t>
                       </a:r>
                     </a:p>
                     <a:p>
@@ -24610,13 +24660,7 @@
           <p:cNvGraphicFramePr>
             <a:graphicFrameLocks noGrp="1"/>
           </p:cNvGraphicFramePr>
-          <p:nvPr>
-            <p:extLst>
-              <p:ext uri="{D42A27DB-BD31-4B8C-83A1-F6EECF244321}">
-                <p14:modId xmlns:p14="http://schemas.microsoft.com/office/powerpoint/2010/main" val="2281224332"/>
-              </p:ext>
-            </p:extLst>
-          </p:nvPr>
+          <p:nvPr/>
         </p:nvGraphicFramePr>
         <p:xfrm>
           <a:off x="0" y="1"/>
@@ -24675,7 +24719,7 @@
           <p:nvPr>
             <p:extLst>
               <p:ext uri="{D42A27DB-BD31-4B8C-83A1-F6EECF244321}">
-                <p14:modId xmlns:p14="http://schemas.microsoft.com/office/powerpoint/2010/main" val="4164474727"/>
+                <p14:modId xmlns:p14="http://schemas.microsoft.com/office/powerpoint/2010/main" val="1693759496"/>
               </p:ext>
             </p:extLst>
           </p:nvPr>
@@ -24705,14 +24749,7 @@
                     <a:bodyPr/>
                     <a:lstStyle/>
                     <a:p>
-                      <a:r>
-                        <a:rPr lang="en-US" dirty="0"/>
-                        <a:t>Acronis @ </a:t>
-                      </a:r>
-                      <a:r>
-                        <a:rPr lang="ru-RU" dirty="0"/>
-                        <a:t>МФТИ</a:t>
-                      </a:r>
+                      <a:endParaRPr lang="ru-RU" dirty="0"/>
                     </a:p>
                   </a:txBody>
                   <a:tcPr/>
@@ -24736,14 +24773,14 @@
           <p:nvPr>
             <p:extLst>
               <p:ext uri="{D42A27DB-BD31-4B8C-83A1-F6EECF244321}">
-                <p14:modId xmlns:p14="http://schemas.microsoft.com/office/powerpoint/2010/main" val="693015308"/>
+                <p14:modId xmlns:p14="http://schemas.microsoft.com/office/powerpoint/2010/main" val="3159105164"/>
               </p:ext>
             </p:extLst>
           </p:nvPr>
         </p:nvGraphicFramePr>
         <p:xfrm>
-          <a:off x="0" y="365762"/>
-          <a:ext cx="12192000" cy="1097280"/>
+          <a:off x="0" y="365761"/>
+          <a:ext cx="12192000" cy="3931920"/>
         </p:xfrm>
         <a:graphic>
           <a:graphicData uri="http://schemas.openxmlformats.org/drawingml/2006/table">
@@ -24760,16 +24797,25 @@
                   </a:extLst>
                 </a:gridCol>
               </a:tblGrid>
-              <a:tr h="166475">
-                <a:tc>
-                  <a:txBody>
-                    <a:bodyPr/>
-                    <a:lstStyle/>
-                    <a:p>
+              <a:tr h="370840">
+                <a:tc>
+                  <a:txBody>
+                    <a:bodyPr/>
+                    <a:lstStyle/>
+                    <a:p>
+                      <a:r>
+                        <a:rPr lang="en-US" sz="2400" dirty="0"/>
+                        <a:t>Case study: </a:t>
+                      </a:r>
                       <a:r>
                         <a:rPr lang="ru-RU" sz="2400" dirty="0"/>
-                        <a:t>Защита от неатомарности записи в журнал</a:t>
-                      </a:r>
+                        <a:t>идемпотентность</a:t>
+                      </a:r>
+                      <a:r>
+                        <a:rPr lang="ru-RU" sz="2400" baseline="0" dirty="0"/>
+                        <a:t> операций</a:t>
+                      </a:r>
+                      <a:endParaRPr lang="en-US" sz="2400" dirty="0"/>
                     </a:p>
                   </a:txBody>
                   <a:tcPr/>
@@ -24780,7 +24826,7 @@
                   </a:ext>
                 </a:extLst>
               </a:tr>
-              <a:tr h="135029">
+              <a:tr h="370840">
                 <a:tc>
                   <a:txBody>
                     <a:bodyPr/>
@@ -24788,13 +24834,361 @@
                     <a:p>
                       <a:r>
                         <a:rPr lang="ru-RU" dirty="0"/>
-                        <a:t>Проблема: запись на диск более</a:t>
-                      </a:r>
-                      <a:r>
-                        <a:rPr lang="ru-RU" baseline="0" dirty="0"/>
-                        <a:t>, чем одного сектора, не является атомарной операцией. Как гарантировать, что в середине транзакции не будет мусора?</a:t>
-                      </a:r>
-                      <a:endParaRPr lang="ru-RU" dirty="0"/>
+                        <a:t>Рассмотрим </a:t>
+                      </a:r>
+                      <a:r>
+                        <a:rPr lang="en-US" dirty="0"/>
+                        <a:t>API </a:t>
+                      </a:r>
+                      <a:r>
+                        <a:rPr lang="ru-RU" dirty="0"/>
+                        <a:t>для создания </a:t>
+                      </a:r>
+                      <a:r>
+                        <a:rPr lang="en-US" dirty="0"/>
+                        <a:t>VM</a:t>
+                      </a:r>
+                      <a:r>
+                        <a:rPr lang="ru-RU" dirty="0"/>
+                        <a:t>, который предоставляет </a:t>
+                      </a:r>
+                      <a:r>
+                        <a:rPr lang="en-US" dirty="0"/>
+                        <a:t>Amazon EC2:</a:t>
+                      </a:r>
+                    </a:p>
+                    <a:p>
+                      <a:endParaRPr lang="en-US" dirty="0"/>
+                    </a:p>
+                    <a:p>
+                      <a:pPr marL="0" marR="0" indent="0" algn="l" defTabSz="914400" rtl="0" eaLnBrk="1" fontAlgn="auto" latinLnBrk="0" hangingPunct="1">
+                        <a:lnSpc>
+                          <a:spcPct val="100000"/>
+                        </a:lnSpc>
+                        <a:spcBef>
+                          <a:spcPts val="0"/>
+                        </a:spcBef>
+                        <a:spcAft>
+                          <a:spcPts val="0"/>
+                        </a:spcAft>
+                        <a:buClrTx/>
+                        <a:buSzTx/>
+                        <a:buFontTx/>
+                        <a:buNone/>
+                        <a:tabLst/>
+                        <a:defRPr/>
+                      </a:pPr>
+                      <a:r>
+                        <a:rPr lang="en-US" sz="1600" dirty="0">
+                          <a:latin typeface="Consolas" panose="020B0609020204030204" pitchFamily="49" charset="0"/>
+                          <a:cs typeface="Consolas" panose="020B0609020204030204" pitchFamily="49" charset="0"/>
+                        </a:rPr>
+                        <a:t>type </a:t>
+                      </a:r>
+                      <a:r>
+                        <a:rPr lang="en-US" sz="1600" dirty="0" err="1">
+                          <a:latin typeface="Consolas" panose="020B0609020204030204" pitchFamily="49" charset="0"/>
+                          <a:cs typeface="Consolas" panose="020B0609020204030204" pitchFamily="49" charset="0"/>
+                        </a:rPr>
+                        <a:t>RunInstancesInput</a:t>
+                      </a:r>
+                      <a:r>
+                        <a:rPr lang="en-US" sz="1600" dirty="0">
+                          <a:latin typeface="Consolas" panose="020B0609020204030204" pitchFamily="49" charset="0"/>
+                          <a:cs typeface="Consolas" panose="020B0609020204030204" pitchFamily="49" charset="0"/>
+                        </a:rPr>
+                        <a:t> struct {</a:t>
+                      </a:r>
+                    </a:p>
+                    <a:p>
+                      <a:pPr marL="0" marR="0" indent="0" algn="l" defTabSz="914400" rtl="0" eaLnBrk="1" fontAlgn="auto" latinLnBrk="0" hangingPunct="1">
+                        <a:lnSpc>
+                          <a:spcPct val="100000"/>
+                        </a:lnSpc>
+                        <a:spcBef>
+                          <a:spcPts val="0"/>
+                        </a:spcBef>
+                        <a:spcAft>
+                          <a:spcPts val="0"/>
+                        </a:spcAft>
+                        <a:buClrTx/>
+                        <a:buSzTx/>
+                        <a:buFontTx/>
+                        <a:buNone/>
+                        <a:tabLst/>
+                        <a:defRPr/>
+                      </a:pPr>
+                      <a:r>
+                        <a:rPr lang="en-US" sz="1600" dirty="0">
+                          <a:latin typeface="Consolas" panose="020B0609020204030204" pitchFamily="49" charset="0"/>
+                          <a:cs typeface="Consolas" panose="020B0609020204030204" pitchFamily="49" charset="0"/>
+                        </a:rPr>
+                        <a:t>    ...</a:t>
+                      </a:r>
+                    </a:p>
+                    <a:p>
+                      <a:pPr marL="0" marR="0" indent="0" algn="l" defTabSz="914400" rtl="0" eaLnBrk="1" fontAlgn="auto" latinLnBrk="0" hangingPunct="1">
+                        <a:lnSpc>
+                          <a:spcPct val="100000"/>
+                        </a:lnSpc>
+                        <a:spcBef>
+                          <a:spcPts val="0"/>
+                        </a:spcBef>
+                        <a:spcAft>
+                          <a:spcPts val="0"/>
+                        </a:spcAft>
+                        <a:buClrTx/>
+                        <a:buSzTx/>
+                        <a:buFontTx/>
+                        <a:buNone/>
+                        <a:tabLst/>
+                        <a:defRPr/>
+                      </a:pPr>
+                      <a:r>
+                        <a:rPr lang="en-US" sz="1600" dirty="0">
+                          <a:latin typeface="Consolas" panose="020B0609020204030204" pitchFamily="49" charset="0"/>
+                          <a:cs typeface="Consolas" panose="020B0609020204030204" pitchFamily="49" charset="0"/>
+                        </a:rPr>
+                        <a:t>    </a:t>
+                      </a:r>
+                      <a:r>
+                        <a:rPr lang="en-US" sz="1600" dirty="0" err="1">
+                          <a:latin typeface="Consolas" panose="020B0609020204030204" pitchFamily="49" charset="0"/>
+                          <a:cs typeface="Consolas" panose="020B0609020204030204" pitchFamily="49" charset="0"/>
+                        </a:rPr>
+                        <a:t>ClientToken</a:t>
+                      </a:r>
+                      <a:r>
+                        <a:rPr lang="en-US" sz="1600" dirty="0">
+                          <a:latin typeface="Consolas" panose="020B0609020204030204" pitchFamily="49" charset="0"/>
+                          <a:cs typeface="Consolas" panose="020B0609020204030204" pitchFamily="49" charset="0"/>
+                        </a:rPr>
+                        <a:t>         *string</a:t>
+                      </a:r>
+                    </a:p>
+                    <a:p>
+                      <a:pPr marL="0" marR="0" indent="0" algn="l" defTabSz="914400" rtl="0" eaLnBrk="1" fontAlgn="auto" latinLnBrk="0" hangingPunct="1">
+                        <a:lnSpc>
+                          <a:spcPct val="100000"/>
+                        </a:lnSpc>
+                        <a:spcBef>
+                          <a:spcPts val="0"/>
+                        </a:spcBef>
+                        <a:spcAft>
+                          <a:spcPts val="0"/>
+                        </a:spcAft>
+                        <a:buClrTx/>
+                        <a:buSzTx/>
+                        <a:buFontTx/>
+                        <a:buNone/>
+                        <a:tabLst/>
+                        <a:defRPr/>
+                      </a:pPr>
+                      <a:r>
+                        <a:rPr lang="en-US" sz="1600" dirty="0">
+                          <a:latin typeface="Consolas" panose="020B0609020204030204" pitchFamily="49" charset="0"/>
+                          <a:cs typeface="Consolas" panose="020B0609020204030204" pitchFamily="49" charset="0"/>
+                        </a:rPr>
+                        <a:t>    ...</a:t>
+                      </a:r>
+                    </a:p>
+                    <a:p>
+                      <a:pPr marL="0" marR="0" indent="0" algn="l" defTabSz="914400" rtl="0" eaLnBrk="1" fontAlgn="auto" latinLnBrk="0" hangingPunct="1">
+                        <a:lnSpc>
+                          <a:spcPct val="100000"/>
+                        </a:lnSpc>
+                        <a:spcBef>
+                          <a:spcPts val="0"/>
+                        </a:spcBef>
+                        <a:spcAft>
+                          <a:spcPts val="0"/>
+                        </a:spcAft>
+                        <a:buClrTx/>
+                        <a:buSzTx/>
+                        <a:buFontTx/>
+                        <a:buNone/>
+                        <a:tabLst/>
+                        <a:defRPr/>
+                      </a:pPr>
+                      <a:r>
+                        <a:rPr lang="en-US" sz="1600" dirty="0">
+                          <a:latin typeface="Consolas" panose="020B0609020204030204" pitchFamily="49" charset="0"/>
+                          <a:cs typeface="Consolas" panose="020B0609020204030204" pitchFamily="49" charset="0"/>
+                        </a:rPr>
+                        <a:t>    </a:t>
+                      </a:r>
+                      <a:r>
+                        <a:rPr lang="en-GB" sz="1600" dirty="0" err="1">
+                          <a:latin typeface="Consolas" panose="020B0609020204030204" pitchFamily="49" charset="0"/>
+                          <a:cs typeface="Consolas" panose="020B0609020204030204" pitchFamily="49" charset="0"/>
+                        </a:rPr>
+                        <a:t>BlockDeviceMappings</a:t>
+                      </a:r>
+                      <a:r>
+                        <a:rPr lang="en-GB" sz="1600" dirty="0">
+                          <a:latin typeface="Consolas" panose="020B0609020204030204" pitchFamily="49" charset="0"/>
+                          <a:cs typeface="Consolas" panose="020B0609020204030204" pitchFamily="49" charset="0"/>
+                        </a:rPr>
+                        <a:t> []*</a:t>
+                      </a:r>
+                      <a:r>
+                        <a:rPr lang="en-GB" sz="1600" dirty="0" err="1">
+                          <a:latin typeface="Consolas" panose="020B0609020204030204" pitchFamily="49" charset="0"/>
+                          <a:cs typeface="Consolas" panose="020B0609020204030204" pitchFamily="49" charset="0"/>
+                        </a:rPr>
+                        <a:t>BlockDeviceMapping</a:t>
+                      </a:r>
+                      <a:endParaRPr lang="en-GB" sz="1600" dirty="0">
+                        <a:latin typeface="Consolas" panose="020B0609020204030204" pitchFamily="49" charset="0"/>
+                        <a:cs typeface="Consolas" panose="020B0609020204030204" pitchFamily="49" charset="0"/>
+                      </a:endParaRPr>
+                    </a:p>
+                    <a:p>
+                      <a:pPr marL="0" marR="0" indent="0" algn="l" defTabSz="914400" rtl="0" eaLnBrk="1" fontAlgn="auto" latinLnBrk="0" hangingPunct="1">
+                        <a:lnSpc>
+                          <a:spcPct val="100000"/>
+                        </a:lnSpc>
+                        <a:spcBef>
+                          <a:spcPts val="0"/>
+                        </a:spcBef>
+                        <a:spcAft>
+                          <a:spcPts val="0"/>
+                        </a:spcAft>
+                        <a:buClrTx/>
+                        <a:buSzTx/>
+                        <a:buFontTx/>
+                        <a:buNone/>
+                        <a:tabLst/>
+                        <a:defRPr/>
+                      </a:pPr>
+                      <a:r>
+                        <a:rPr lang="en-GB" sz="1600" dirty="0">
+                          <a:latin typeface="Consolas" panose="020B0609020204030204" pitchFamily="49" charset="0"/>
+                          <a:cs typeface="Consolas" panose="020B0609020204030204" pitchFamily="49" charset="0"/>
+                        </a:rPr>
+                        <a:t>    </a:t>
+                      </a:r>
+                      <a:r>
+                        <a:rPr lang="en-GB" sz="1600" dirty="0" err="1">
+                          <a:latin typeface="Consolas" panose="020B0609020204030204" pitchFamily="49" charset="0"/>
+                          <a:cs typeface="Consolas" panose="020B0609020204030204" pitchFamily="49" charset="0"/>
+                        </a:rPr>
+                        <a:t>CpuOptions</a:t>
+                      </a:r>
+                      <a:r>
+                        <a:rPr lang="en-GB" sz="1600" dirty="0">
+                          <a:latin typeface="Consolas" panose="020B0609020204030204" pitchFamily="49" charset="0"/>
+                          <a:cs typeface="Consolas" panose="020B0609020204030204" pitchFamily="49" charset="0"/>
+                        </a:rPr>
+                        <a:t>          *</a:t>
+                      </a:r>
+                      <a:r>
+                        <a:rPr lang="en-GB" sz="1600" dirty="0" err="1">
+                          <a:latin typeface="Consolas" panose="020B0609020204030204" pitchFamily="49" charset="0"/>
+                          <a:cs typeface="Consolas" panose="020B0609020204030204" pitchFamily="49" charset="0"/>
+                        </a:rPr>
+                        <a:t>CpuOptionsRequest</a:t>
+                      </a:r>
+                      <a:endParaRPr lang="en-GB" sz="1600" dirty="0">
+                        <a:latin typeface="Consolas" panose="020B0609020204030204" pitchFamily="49" charset="0"/>
+                        <a:cs typeface="Consolas" panose="020B0609020204030204" pitchFamily="49" charset="0"/>
+                      </a:endParaRPr>
+                    </a:p>
+                    <a:p>
+                      <a:pPr marL="0" marR="0" indent="0" algn="l" defTabSz="914400" rtl="0" eaLnBrk="1" fontAlgn="auto" latinLnBrk="0" hangingPunct="1">
+                        <a:lnSpc>
+                          <a:spcPct val="100000"/>
+                        </a:lnSpc>
+                        <a:spcBef>
+                          <a:spcPts val="0"/>
+                        </a:spcBef>
+                        <a:spcAft>
+                          <a:spcPts val="0"/>
+                        </a:spcAft>
+                        <a:buClrTx/>
+                        <a:buSzTx/>
+                        <a:buFontTx/>
+                        <a:buNone/>
+                        <a:tabLst/>
+                        <a:defRPr/>
+                      </a:pPr>
+                      <a:r>
+                        <a:rPr lang="en-GB" sz="1600" dirty="0">
+                          <a:latin typeface="Consolas" panose="020B0609020204030204" pitchFamily="49" charset="0"/>
+                          <a:cs typeface="Consolas" panose="020B0609020204030204" pitchFamily="49" charset="0"/>
+                        </a:rPr>
+                        <a:t>    </a:t>
+                      </a:r>
+                      <a:r>
+                        <a:rPr lang="en-GB" sz="1600" dirty="0" err="1">
+                          <a:latin typeface="Consolas" panose="020B0609020204030204" pitchFamily="49" charset="0"/>
+                          <a:cs typeface="Consolas" panose="020B0609020204030204" pitchFamily="49" charset="0"/>
+                        </a:rPr>
+                        <a:t>ImageId</a:t>
+                      </a:r>
+                      <a:r>
+                        <a:rPr lang="en-GB" sz="1600" dirty="0">
+                          <a:latin typeface="Consolas" panose="020B0609020204030204" pitchFamily="49" charset="0"/>
+                          <a:cs typeface="Consolas" panose="020B0609020204030204" pitchFamily="49" charset="0"/>
+                        </a:rPr>
+                        <a:t>             *string</a:t>
+                      </a:r>
+                    </a:p>
+                    <a:p>
+                      <a:pPr marL="0" marR="0" indent="0" algn="l" defTabSz="914400" rtl="0" eaLnBrk="1" fontAlgn="auto" latinLnBrk="0" hangingPunct="1">
+                        <a:lnSpc>
+                          <a:spcPct val="100000"/>
+                        </a:lnSpc>
+                        <a:spcBef>
+                          <a:spcPts val="0"/>
+                        </a:spcBef>
+                        <a:spcAft>
+                          <a:spcPts val="0"/>
+                        </a:spcAft>
+                        <a:buClrTx/>
+                        <a:buSzTx/>
+                        <a:buFontTx/>
+                        <a:buNone/>
+                        <a:tabLst/>
+                        <a:defRPr/>
+                      </a:pPr>
+                      <a:r>
+                        <a:rPr lang="en-GB" sz="1600" dirty="0">
+                          <a:latin typeface="Consolas" panose="020B0609020204030204" pitchFamily="49" charset="0"/>
+                          <a:cs typeface="Consolas" panose="020B0609020204030204" pitchFamily="49" charset="0"/>
+                        </a:rPr>
+                        <a:t>    ...</a:t>
+                      </a:r>
+                      <a:endParaRPr lang="en-US" sz="1600" dirty="0">
+                        <a:latin typeface="Consolas" panose="020B0609020204030204" pitchFamily="49" charset="0"/>
+                        <a:cs typeface="Consolas" panose="020B0609020204030204" pitchFamily="49" charset="0"/>
+                      </a:endParaRPr>
+                    </a:p>
+                    <a:p>
+                      <a:pPr marL="0" marR="0" indent="0" algn="l" defTabSz="914400" rtl="0" eaLnBrk="1" fontAlgn="auto" latinLnBrk="0" hangingPunct="1">
+                        <a:lnSpc>
+                          <a:spcPct val="100000"/>
+                        </a:lnSpc>
+                        <a:spcBef>
+                          <a:spcPts val="0"/>
+                        </a:spcBef>
+                        <a:spcAft>
+                          <a:spcPts val="0"/>
+                        </a:spcAft>
+                        <a:buClrTx/>
+                        <a:buSzTx/>
+                        <a:buFontTx/>
+                        <a:buNone/>
+                        <a:tabLst/>
+                        <a:defRPr/>
+                      </a:pPr>
+                      <a:r>
+                        <a:rPr lang="en-US" sz="1600" dirty="0">
+                          <a:latin typeface="Consolas" panose="020B0609020204030204" pitchFamily="49" charset="0"/>
+                          <a:cs typeface="Consolas" panose="020B0609020204030204" pitchFamily="49" charset="0"/>
+                        </a:rPr>
+                        <a:t>}</a:t>
+                      </a:r>
                     </a:p>
                   </a:txBody>
                   <a:tcPr/>
@@ -24802,6 +25196,95 @@
                 <a:extLst>
                   <a:ext uri="{0D108BD9-81ED-4DB2-BD59-A6C34878D82A}">
                     <a16:rowId xmlns:a16="http://schemas.microsoft.com/office/drawing/2014/main" val="10001"/>
+                  </a:ext>
+                </a:extLst>
+              </a:tr>
+              <a:tr h="370840">
+                <a:tc>
+                  <a:txBody>
+                    <a:bodyPr/>
+                    <a:lstStyle/>
+                    <a:p>
+                      <a:pPr marL="0" marR="0" indent="0" algn="l" defTabSz="914400" rtl="0" eaLnBrk="1" fontAlgn="auto" latinLnBrk="0" hangingPunct="1">
+                        <a:lnSpc>
+                          <a:spcPct val="100000"/>
+                        </a:lnSpc>
+                        <a:spcBef>
+                          <a:spcPts val="0"/>
+                        </a:spcBef>
+                        <a:spcAft>
+                          <a:spcPts val="0"/>
+                        </a:spcAft>
+                        <a:buClrTx/>
+                        <a:buSzTx/>
+                        <a:buFontTx/>
+                        <a:buNone/>
+                        <a:tabLst/>
+                        <a:defRPr/>
+                      </a:pPr>
+                      <a:r>
+                        <a:rPr lang="ru-RU" sz="1800" dirty="0">
+                          <a:latin typeface="+mn-lt"/>
+                          <a:cs typeface="Consolas" panose="020B0609020204030204" pitchFamily="49" charset="0"/>
+                        </a:rPr>
+                        <a:t>Параметр </a:t>
+                      </a:r>
+                      <a:r>
+                        <a:rPr lang="en-US" sz="1800" dirty="0" err="1">
+                          <a:latin typeface="+mn-lt"/>
+                          <a:cs typeface="Consolas" panose="020B0609020204030204" pitchFamily="49" charset="0"/>
+                        </a:rPr>
+                        <a:t>ClientToken</a:t>
+                      </a:r>
+                      <a:r>
+                        <a:rPr lang="en-US" sz="1800" dirty="0">
+                          <a:latin typeface="+mn-lt"/>
+                          <a:cs typeface="Consolas" panose="020B0609020204030204" pitchFamily="49" charset="0"/>
+                        </a:rPr>
+                        <a:t> – </a:t>
+                      </a:r>
+                      <a:r>
+                        <a:rPr lang="ru-RU" sz="1800" dirty="0">
+                          <a:latin typeface="+mn-lt"/>
+                          <a:cs typeface="Consolas" panose="020B0609020204030204" pitchFamily="49" charset="0"/>
+                        </a:rPr>
+                        <a:t>это случайная строчка, которую создаёт клиент. Если сервис получает два запроса с одинаковым </a:t>
+                      </a:r>
+                      <a:r>
+                        <a:rPr lang="en-US" sz="1800" dirty="0" err="1">
+                          <a:latin typeface="+mn-lt"/>
+                          <a:cs typeface="Consolas" panose="020B0609020204030204" pitchFamily="49" charset="0"/>
+                        </a:rPr>
+                        <a:t>ClientToken</a:t>
+                      </a:r>
+                      <a:r>
+                        <a:rPr lang="en-US" sz="1800" dirty="0">
+                          <a:latin typeface="+mn-lt"/>
+                          <a:cs typeface="Consolas" panose="020B0609020204030204" pitchFamily="49" charset="0"/>
+                        </a:rPr>
+                        <a:t>, </a:t>
+                      </a:r>
+                      <a:r>
+                        <a:rPr lang="ru-RU" sz="1800" dirty="0">
+                          <a:latin typeface="+mn-lt"/>
+                          <a:cs typeface="Consolas" panose="020B0609020204030204" pitchFamily="49" charset="0"/>
+                        </a:rPr>
+                        <a:t>то он знает, что это – </a:t>
+                      </a:r>
+                      <a:r>
+                        <a:rPr lang="en-US" sz="1800" dirty="0">
+                          <a:latin typeface="+mn-lt"/>
+                          <a:cs typeface="Consolas" panose="020B0609020204030204" pitchFamily="49" charset="0"/>
+                        </a:rPr>
+                        <a:t>retry.</a:t>
+                      </a:r>
+                    </a:p>
+                  </a:txBody>
+                  <a:tcPr/>
+                </a:tc>
+                <a:extLst>
+                  <a:ext uri="{0D108BD9-81ED-4DB2-BD59-A6C34878D82A}">
+                    <a16:rowId xmlns:a16="http://schemas.microsoft.com/office/drawing/2014/main" val="371868136"/>
                   </a:ext>
                 </a:extLst>
               </a:tr>
@@ -24812,7 +25295,7 @@
     </p:spTree>
     <p:extLst>
       <p:ext uri="{BB962C8B-B14F-4D97-AF65-F5344CB8AC3E}">
-        <p14:creationId xmlns:p14="http://schemas.microsoft.com/office/powerpoint/2010/main" val="1840908860"/>
+        <p14:creationId xmlns:p14="http://schemas.microsoft.com/office/powerpoint/2010/main" val="4043080806"/>
       </p:ext>
     </p:extLst>
   </p:cSld>
@@ -24910,7 +25393,7 @@
           <p:nvPr>
             <p:extLst>
               <p:ext uri="{D42A27DB-BD31-4B8C-83A1-F6EECF244321}">
-                <p14:modId xmlns:p14="http://schemas.microsoft.com/office/powerpoint/2010/main" val="4164474727"/>
+                <p14:modId xmlns:p14="http://schemas.microsoft.com/office/powerpoint/2010/main" val="2809361123"/>
               </p:ext>
             </p:extLst>
           </p:nvPr>
@@ -24940,14 +25423,235 @@
                     <a:bodyPr/>
                     <a:lstStyle/>
                     <a:p>
-                      <a:r>
-                        <a:rPr lang="en-US" dirty="0"/>
-                        <a:t>Acronis @ </a:t>
-                      </a:r>
+                      <a:endParaRPr lang="ru-RU" dirty="0"/>
+                    </a:p>
+                  </a:txBody>
+                  <a:tcPr/>
+                </a:tc>
+                <a:extLst>
+                  <a:ext uri="{0D108BD9-81ED-4DB2-BD59-A6C34878D82A}">
+                    <a16:rowId xmlns:a16="http://schemas.microsoft.com/office/drawing/2014/main" val="10000"/>
+                  </a:ext>
+                </a:extLst>
+              </a:tr>
+            </a:tbl>
+          </a:graphicData>
+        </a:graphic>
+      </p:graphicFrame>
+      <p:graphicFrame>
+        <p:nvGraphicFramePr>
+          <p:cNvPr id="2" name="Table 1"/>
+          <p:cNvGraphicFramePr>
+            <a:graphicFrameLocks noGrp="1"/>
+          </p:cNvGraphicFramePr>
+          <p:nvPr>
+            <p:extLst>
+              <p:ext uri="{D42A27DB-BD31-4B8C-83A1-F6EECF244321}">
+                <p14:modId xmlns:p14="http://schemas.microsoft.com/office/powerpoint/2010/main" val="693015308"/>
+              </p:ext>
+            </p:extLst>
+          </p:nvPr>
+        </p:nvGraphicFramePr>
+        <p:xfrm>
+          <a:off x="0" y="365762"/>
+          <a:ext cx="12192000" cy="1097280"/>
+        </p:xfrm>
+        <a:graphic>
+          <a:graphicData uri="http://schemas.openxmlformats.org/drawingml/2006/table">
+            <a:tbl>
+              <a:tblPr firstRow="1" bandRow="1">
+                <a:tableStyleId>{3B4B98B0-60AC-42C2-AFA5-B58CD77FA1E5}</a:tableStyleId>
+              </a:tblPr>
+              <a:tblGrid>
+                <a:gridCol w="12192000">
+                  <a:extLst>
+                    <a:ext uri="{9D8B030D-6E8A-4147-A177-3AD203B41FA5}">
+                      <a16:colId xmlns:a16="http://schemas.microsoft.com/office/drawing/2014/main" val="20000"/>
+                    </a:ext>
+                  </a:extLst>
+                </a:gridCol>
+              </a:tblGrid>
+              <a:tr h="166475">
+                <a:tc>
+                  <a:txBody>
+                    <a:bodyPr/>
+                    <a:lstStyle/>
+                    <a:p>
+                      <a:r>
+                        <a:rPr lang="ru-RU" sz="2400" dirty="0"/>
+                        <a:t>Защита от неатомарности записи в журнал</a:t>
+                      </a:r>
+                    </a:p>
+                  </a:txBody>
+                  <a:tcPr/>
+                </a:tc>
+                <a:extLst>
+                  <a:ext uri="{0D108BD9-81ED-4DB2-BD59-A6C34878D82A}">
+                    <a16:rowId xmlns:a16="http://schemas.microsoft.com/office/drawing/2014/main" val="10000"/>
+                  </a:ext>
+                </a:extLst>
+              </a:tr>
+              <a:tr h="135029">
+                <a:tc>
+                  <a:txBody>
+                    <a:bodyPr/>
+                    <a:lstStyle/>
+                    <a:p>
                       <a:r>
                         <a:rPr lang="ru-RU" dirty="0"/>
-                        <a:t>МФТИ</a:t>
-                      </a:r>
+                        <a:t>Проблема: запись на диск более</a:t>
+                      </a:r>
+                      <a:r>
+                        <a:rPr lang="ru-RU" baseline="0" dirty="0"/>
+                        <a:t>, чем одного сектора, не является атомарной операцией. Как гарантировать, что в середине транзакции не будет мусора?</a:t>
+                      </a:r>
+                      <a:endParaRPr lang="ru-RU" dirty="0"/>
+                    </a:p>
+                  </a:txBody>
+                  <a:tcPr/>
+                </a:tc>
+                <a:extLst>
+                  <a:ext uri="{0D108BD9-81ED-4DB2-BD59-A6C34878D82A}">
+                    <a16:rowId xmlns:a16="http://schemas.microsoft.com/office/drawing/2014/main" val="10001"/>
+                  </a:ext>
+                </a:extLst>
+              </a:tr>
+            </a:tbl>
+          </a:graphicData>
+        </a:graphic>
+      </p:graphicFrame>
+    </p:spTree>
+    <p:extLst>
+      <p:ext uri="{BB962C8B-B14F-4D97-AF65-F5344CB8AC3E}">
+        <p14:creationId xmlns:p14="http://schemas.microsoft.com/office/powerpoint/2010/main" val="1840908860"/>
+      </p:ext>
+    </p:extLst>
+  </p:cSld>
+  <p:clrMapOvr>
+    <a:masterClrMapping/>
+  </p:clrMapOvr>
+</p:sld>
+</file>
+
+<file path=ppt/slides/slide36.xml><?xml version="1.0" encoding="utf-8"?>
+<p:sld xmlns:a="http://schemas.openxmlformats.org/drawingml/2006/main" xmlns:r="http://schemas.openxmlformats.org/officeDocument/2006/relationships" xmlns:p="http://schemas.openxmlformats.org/presentationml/2006/main">
+  <p:cSld>
+    <p:spTree>
+      <p:nvGrpSpPr>
+        <p:cNvPr id="1" name=""/>
+        <p:cNvGrpSpPr/>
+        <p:nvPr/>
+      </p:nvGrpSpPr>
+      <p:grpSpPr>
+        <a:xfrm>
+          <a:off x="0" y="0"/>
+          <a:ext cx="0" cy="0"/>
+          <a:chOff x="0" y="0"/>
+          <a:chExt cx="0" cy="0"/>
+        </a:xfrm>
+      </p:grpSpPr>
+      <p:graphicFrame>
+        <p:nvGraphicFramePr>
+          <p:cNvPr id="5" name="Table 4"/>
+          <p:cNvGraphicFramePr>
+            <a:graphicFrameLocks noGrp="1"/>
+          </p:cNvGraphicFramePr>
+          <p:nvPr>
+            <p:extLst>
+              <p:ext uri="{D42A27DB-BD31-4B8C-83A1-F6EECF244321}">
+                <p14:modId xmlns:p14="http://schemas.microsoft.com/office/powerpoint/2010/main" val="2281224332"/>
+              </p:ext>
+            </p:extLst>
+          </p:nvPr>
+        </p:nvGraphicFramePr>
+        <p:xfrm>
+          <a:off x="0" y="1"/>
+          <a:ext cx="12192000" cy="365760"/>
+        </p:xfrm>
+        <a:graphic>
+          <a:graphicData uri="http://schemas.openxmlformats.org/drawingml/2006/table">
+            <a:tbl>
+              <a:tblPr firstRow="1" bandRow="1">
+                <a:tableStyleId>{5C22544A-7EE6-4342-B048-85BDC9FD1C3A}</a:tableStyleId>
+              </a:tblPr>
+              <a:tblGrid>
+                <a:gridCol w="12192000">
+                  <a:extLst>
+                    <a:ext uri="{9D8B030D-6E8A-4147-A177-3AD203B41FA5}">
+                      <a16:colId xmlns:a16="http://schemas.microsoft.com/office/drawing/2014/main" val="20000"/>
+                    </a:ext>
+                  </a:extLst>
+                </a:gridCol>
+              </a:tblGrid>
+              <a:tr h="321276">
+                <a:tc>
+                  <a:txBody>
+                    <a:bodyPr/>
+                    <a:lstStyle/>
+                    <a:p>
+                      <a:r>
+                        <a:rPr lang="ru-RU" dirty="0"/>
+                        <a:t>Основы</a:t>
+                      </a:r>
+                      <a:r>
+                        <a:rPr lang="ru-RU" baseline="0" dirty="0"/>
+                        <a:t> построения файловых систем</a:t>
+                      </a:r>
+                      <a:endParaRPr lang="ru-RU" dirty="0"/>
+                    </a:p>
+                  </a:txBody>
+                  <a:tcPr/>
+                </a:tc>
+                <a:extLst>
+                  <a:ext uri="{0D108BD9-81ED-4DB2-BD59-A6C34878D82A}">
+                    <a16:rowId xmlns:a16="http://schemas.microsoft.com/office/drawing/2014/main" val="10000"/>
+                  </a:ext>
+                </a:extLst>
+              </a:tr>
+            </a:tbl>
+          </a:graphicData>
+        </a:graphic>
+      </p:graphicFrame>
+      <p:graphicFrame>
+        <p:nvGraphicFramePr>
+          <p:cNvPr id="6" name="Table 5"/>
+          <p:cNvGraphicFramePr>
+            <a:graphicFrameLocks noGrp="1"/>
+          </p:cNvGraphicFramePr>
+          <p:nvPr>
+            <p:extLst>
+              <p:ext uri="{D42A27DB-BD31-4B8C-83A1-F6EECF244321}">
+                <p14:modId xmlns:p14="http://schemas.microsoft.com/office/powerpoint/2010/main" val="3736171653"/>
+              </p:ext>
+            </p:extLst>
+          </p:nvPr>
+        </p:nvGraphicFramePr>
+        <p:xfrm>
+          <a:off x="0" y="6532604"/>
+          <a:ext cx="12192000" cy="365760"/>
+        </p:xfrm>
+        <a:graphic>
+          <a:graphicData uri="http://schemas.openxmlformats.org/drawingml/2006/table">
+            <a:tbl>
+              <a:tblPr firstRow="1" bandRow="1">
+                <a:tableStyleId>{5C22544A-7EE6-4342-B048-85BDC9FD1C3A}</a:tableStyleId>
+              </a:tblPr>
+              <a:tblGrid>
+                <a:gridCol w="12192000">
+                  <a:extLst>
+                    <a:ext uri="{9D8B030D-6E8A-4147-A177-3AD203B41FA5}">
+                      <a16:colId xmlns:a16="http://schemas.microsoft.com/office/drawing/2014/main" val="20000"/>
+                    </a:ext>
+                  </a:extLst>
+                </a:gridCol>
+              </a:tblGrid>
+              <a:tr h="308094">
+                <a:tc>
+                  <a:txBody>
+                    <a:bodyPr/>
+                    <a:lstStyle/>
+                    <a:p>
+                      <a:endParaRPr lang="ru-RU" dirty="0"/>
                     </a:p>
                   </a:txBody>
                   <a:tcPr/>
@@ -25441,7 +26145,7 @@
 </p:sld>
 </file>
 
-<file path=ppt/slides/slide36.xml><?xml version="1.0" encoding="utf-8"?>
+<file path=ppt/slides/slide37.xml><?xml version="1.0" encoding="utf-8"?>
 <p:sld xmlns:a="http://schemas.openxmlformats.org/drawingml/2006/main" xmlns:r="http://schemas.openxmlformats.org/officeDocument/2006/relationships" xmlns:p="http://schemas.openxmlformats.org/presentationml/2006/main">
   <p:cSld>
     <p:spTree>
@@ -25529,7 +26233,7 @@
           <p:nvPr>
             <p:extLst>
               <p:ext uri="{D42A27DB-BD31-4B8C-83A1-F6EECF244321}">
-                <p14:modId xmlns:p14="http://schemas.microsoft.com/office/powerpoint/2010/main" val="4164474727"/>
+                <p14:modId xmlns:p14="http://schemas.microsoft.com/office/powerpoint/2010/main" val="3612218127"/>
               </p:ext>
             </p:extLst>
           </p:nvPr>
@@ -25559,14 +26263,7 @@
                     <a:bodyPr/>
                     <a:lstStyle/>
                     <a:p>
-                      <a:r>
-                        <a:rPr lang="en-US" dirty="0"/>
-                        <a:t>Acronis @ </a:t>
-                      </a:r>
-                      <a:r>
-                        <a:rPr lang="ru-RU" dirty="0"/>
-                        <a:t>МФТИ</a:t>
-                      </a:r>
+                      <a:endParaRPr lang="ru-RU" dirty="0"/>
                     </a:p>
                   </a:txBody>
                   <a:tcPr/>
@@ -26460,7 +27157,7 @@
           <p:nvPr>
             <p:extLst>
               <p:ext uri="{D42A27DB-BD31-4B8C-83A1-F6EECF244321}">
-                <p14:modId xmlns:p14="http://schemas.microsoft.com/office/powerpoint/2010/main" val="4164474727"/>
+                <p14:modId xmlns:p14="http://schemas.microsoft.com/office/powerpoint/2010/main" val="1169224452"/>
               </p:ext>
             </p:extLst>
           </p:nvPr>
@@ -26490,14 +27187,7 @@
                     <a:bodyPr/>
                     <a:lstStyle/>
                     <a:p>
-                      <a:r>
-                        <a:rPr lang="en-US" dirty="0"/>
-                        <a:t>Acronis @ </a:t>
-                      </a:r>
-                      <a:r>
-                        <a:rPr lang="ru-RU" dirty="0"/>
-                        <a:t>МФТИ</a:t>
-                      </a:r>
+                      <a:endParaRPr lang="ru-RU" dirty="0"/>
                     </a:p>
                   </a:txBody>
                   <a:tcPr/>
@@ -26895,7 +27585,7 @@
           <p:nvPr>
             <p:extLst>
               <p:ext uri="{D42A27DB-BD31-4B8C-83A1-F6EECF244321}">
-                <p14:modId xmlns:p14="http://schemas.microsoft.com/office/powerpoint/2010/main" val="4164474727"/>
+                <p14:modId xmlns:p14="http://schemas.microsoft.com/office/powerpoint/2010/main" val="3412001298"/>
               </p:ext>
             </p:extLst>
           </p:nvPr>
@@ -26925,14 +27615,7 @@
                     <a:bodyPr/>
                     <a:lstStyle/>
                     <a:p>
-                      <a:r>
-                        <a:rPr lang="en-US" dirty="0"/>
-                        <a:t>Acronis @ </a:t>
-                      </a:r>
-                      <a:r>
-                        <a:rPr lang="ru-RU" dirty="0"/>
-                        <a:t>МФТИ</a:t>
-                      </a:r>
+                      <a:endParaRPr lang="ru-RU" dirty="0"/>
                     </a:p>
                   </a:txBody>
                   <a:tcPr/>
@@ -27797,7 +28480,7 @@
           <p:nvPr>
             <p:extLst>
               <p:ext uri="{D42A27DB-BD31-4B8C-83A1-F6EECF244321}">
-                <p14:modId xmlns:p14="http://schemas.microsoft.com/office/powerpoint/2010/main" val="4164474727"/>
+                <p14:modId xmlns:p14="http://schemas.microsoft.com/office/powerpoint/2010/main" val="167798233"/>
               </p:ext>
             </p:extLst>
           </p:nvPr>
@@ -27827,14 +28510,7 @@
                     <a:bodyPr/>
                     <a:lstStyle/>
                     <a:p>
-                      <a:r>
-                        <a:rPr lang="en-US" dirty="0"/>
-                        <a:t>Acronis @ </a:t>
-                      </a:r>
-                      <a:r>
-                        <a:rPr lang="ru-RU" dirty="0"/>
-                        <a:t>МФТИ</a:t>
-                      </a:r>
+                      <a:endParaRPr lang="ru-RU" dirty="0"/>
                     </a:p>
                   </a:txBody>
                   <a:tcPr/>
@@ -28687,7 +29363,7 @@
           <p:nvPr>
             <p:extLst>
               <p:ext uri="{D42A27DB-BD31-4B8C-83A1-F6EECF244321}">
-                <p14:modId xmlns:p14="http://schemas.microsoft.com/office/powerpoint/2010/main" val="4164474727"/>
+                <p14:modId xmlns:p14="http://schemas.microsoft.com/office/powerpoint/2010/main" val="498795447"/>
               </p:ext>
             </p:extLst>
           </p:nvPr>
@@ -28717,14 +29393,7 @@
                     <a:bodyPr/>
                     <a:lstStyle/>
                     <a:p>
-                      <a:r>
-                        <a:rPr lang="en-US" dirty="0"/>
-                        <a:t>Acronis @ </a:t>
-                      </a:r>
-                      <a:r>
-                        <a:rPr lang="ru-RU" dirty="0"/>
-                        <a:t>МФТИ</a:t>
-                      </a:r>
+                      <a:endParaRPr lang="ru-RU" dirty="0"/>
                     </a:p>
                   </a:txBody>
                   <a:tcPr/>
@@ -29597,7 +30266,7 @@
           <p:nvPr>
             <p:extLst>
               <p:ext uri="{D42A27DB-BD31-4B8C-83A1-F6EECF244321}">
-                <p14:modId xmlns:p14="http://schemas.microsoft.com/office/powerpoint/2010/main" val="4164474727"/>
+                <p14:modId xmlns:p14="http://schemas.microsoft.com/office/powerpoint/2010/main" val="3074052518"/>
               </p:ext>
             </p:extLst>
           </p:nvPr>
@@ -29627,14 +30296,7 @@
                     <a:bodyPr/>
                     <a:lstStyle/>
                     <a:p>
-                      <a:r>
-                        <a:rPr lang="en-US" dirty="0"/>
-                        <a:t>Acronis @ </a:t>
-                      </a:r>
-                      <a:r>
-                        <a:rPr lang="ru-RU" dirty="0"/>
-                        <a:t>МФТИ</a:t>
-                      </a:r>
+                      <a:endParaRPr lang="ru-RU" dirty="0"/>
                     </a:p>
                   </a:txBody>
                   <a:tcPr/>
@@ -30499,7 +31161,7 @@
           <p:nvPr>
             <p:extLst>
               <p:ext uri="{D42A27DB-BD31-4B8C-83A1-F6EECF244321}">
-                <p14:modId xmlns:p14="http://schemas.microsoft.com/office/powerpoint/2010/main" val="4164474727"/>
+                <p14:modId xmlns:p14="http://schemas.microsoft.com/office/powerpoint/2010/main" val="471643651"/>
               </p:ext>
             </p:extLst>
           </p:nvPr>
@@ -30529,14 +31191,7 @@
                     <a:bodyPr/>
                     <a:lstStyle/>
                     <a:p>
-                      <a:r>
-                        <a:rPr lang="en-US" dirty="0"/>
-                        <a:t>Acronis @ </a:t>
-                      </a:r>
-                      <a:r>
-                        <a:rPr lang="ru-RU" dirty="0"/>
-                        <a:t>МФТИ</a:t>
-                      </a:r>
+                      <a:endParaRPr lang="ru-RU" dirty="0"/>
                     </a:p>
                   </a:txBody>
                   <a:tcPr/>
